--- a/CEF440_task[2]Group11.pptx
+++ b/CEF440_task[2]Group11.pptx
@@ -12,14 +12,21 @@
     <p:sldId id="268" r:id="rId6"/>
     <p:sldId id="261" r:id="rId7"/>
     <p:sldId id="262" r:id="rId8"/>
-    <p:sldId id="263" r:id="rId9"/>
-    <p:sldId id="264" r:id="rId10"/>
-    <p:sldId id="271" r:id="rId11"/>
-    <p:sldId id="276" r:id="rId12"/>
-    <p:sldId id="274" r:id="rId13"/>
-    <p:sldId id="272" r:id="rId14"/>
-    <p:sldId id="273" r:id="rId15"/>
-    <p:sldId id="275" r:id="rId16"/>
+    <p:sldId id="278" r:id="rId9"/>
+    <p:sldId id="283" r:id="rId10"/>
+    <p:sldId id="279" r:id="rId11"/>
+    <p:sldId id="263" r:id="rId12"/>
+    <p:sldId id="280" r:id="rId13"/>
+    <p:sldId id="281" r:id="rId14"/>
+    <p:sldId id="282" r:id="rId15"/>
+    <p:sldId id="284" r:id="rId16"/>
+    <p:sldId id="274" r:id="rId17"/>
+    <p:sldId id="285" r:id="rId18"/>
+    <p:sldId id="287" r:id="rId19"/>
+    <p:sldId id="286" r:id="rId20"/>
+    <p:sldId id="272" r:id="rId21"/>
+    <p:sldId id="273" r:id="rId22"/>
+    <p:sldId id="275" r:id="rId23"/>
   </p:sldIdLst>
   <p:sldSz cx="12192000" cy="6858000"/>
   <p:notesSz cx="6858000" cy="9144000"/>
@@ -265,7 +272,7 @@
           <a:p>
             <a:fld id="{27FCFBF5-FD97-4649-AE20-3D1D49646449}" type="datetimeFigureOut">
               <a:rPr lang="en-CM" smtClean="0"/>
-              <a:t>04/29/2024</a:t>
+              <a:t>30/04/2024</a:t>
             </a:fld>
             <a:endParaRPr lang="en-CM"/>
           </a:p>
@@ -445,7 +452,7 @@
           <a:p>
             <a:fld id="{27FCFBF5-FD97-4649-AE20-3D1D49646449}" type="datetimeFigureOut">
               <a:rPr lang="en-CM" smtClean="0"/>
-              <a:t>04/29/2024</a:t>
+              <a:t>30/04/2024</a:t>
             </a:fld>
             <a:endParaRPr lang="en-CM"/>
           </a:p>
@@ -629,7 +636,7 @@
           <a:p>
             <a:fld id="{27FCFBF5-FD97-4649-AE20-3D1D49646449}" type="datetimeFigureOut">
               <a:rPr lang="en-CM" smtClean="0"/>
-              <a:t>04/29/2024</a:t>
+              <a:t>30/04/2024</a:t>
             </a:fld>
             <a:endParaRPr lang="en-CM"/>
           </a:p>
@@ -799,7 +806,7 @@
           <a:p>
             <a:fld id="{27FCFBF5-FD97-4649-AE20-3D1D49646449}" type="datetimeFigureOut">
               <a:rPr lang="en-CM" smtClean="0"/>
-              <a:t>04/29/2024</a:t>
+              <a:t>30/04/2024</a:t>
             </a:fld>
             <a:endParaRPr lang="en-CM"/>
           </a:p>
@@ -1047,7 +1054,7 @@
           <a:p>
             <a:fld id="{27FCFBF5-FD97-4649-AE20-3D1D49646449}" type="datetimeFigureOut">
               <a:rPr lang="en-CM" smtClean="0"/>
-              <a:t>04/29/2024</a:t>
+              <a:t>30/04/2024</a:t>
             </a:fld>
             <a:endParaRPr lang="en-CM"/>
           </a:p>
@@ -1284,7 +1291,7 @@
           <a:p>
             <a:fld id="{27FCFBF5-FD97-4649-AE20-3D1D49646449}" type="datetimeFigureOut">
               <a:rPr lang="en-CM" smtClean="0"/>
-              <a:t>04/29/2024</a:t>
+              <a:t>30/04/2024</a:t>
             </a:fld>
             <a:endParaRPr lang="en-CM"/>
           </a:p>
@@ -1669,7 +1676,7 @@
           <a:p>
             <a:fld id="{27FCFBF5-FD97-4649-AE20-3D1D49646449}" type="datetimeFigureOut">
               <a:rPr lang="en-CM" smtClean="0"/>
-              <a:t>04/29/2024</a:t>
+              <a:t>30/04/2024</a:t>
             </a:fld>
             <a:endParaRPr lang="en-CM"/>
           </a:p>
@@ -1787,7 +1794,7 @@
           <a:p>
             <a:fld id="{27FCFBF5-FD97-4649-AE20-3D1D49646449}" type="datetimeFigureOut">
               <a:rPr lang="en-CM" smtClean="0"/>
-              <a:t>04/29/2024</a:t>
+              <a:t>30/04/2024</a:t>
             </a:fld>
             <a:endParaRPr lang="en-CM"/>
           </a:p>
@@ -1882,7 +1889,7 @@
           <a:p>
             <a:fld id="{27FCFBF5-FD97-4649-AE20-3D1D49646449}" type="datetimeFigureOut">
               <a:rPr lang="en-CM" smtClean="0"/>
-              <a:t>04/29/2024</a:t>
+              <a:t>30/04/2024</a:t>
             </a:fld>
             <a:endParaRPr lang="en-CM"/>
           </a:p>
@@ -2133,7 +2140,7 @@
           <a:p>
             <a:fld id="{27FCFBF5-FD97-4649-AE20-3D1D49646449}" type="datetimeFigureOut">
               <a:rPr lang="en-CM" smtClean="0"/>
-              <a:t>04/29/2024</a:t>
+              <a:t>30/04/2024</a:t>
             </a:fld>
             <a:endParaRPr lang="en-CM"/>
           </a:p>
@@ -2524,7 +2531,7 @@
           <a:p>
             <a:fld id="{27FCFBF5-FD97-4649-AE20-3D1D49646449}" type="datetimeFigureOut">
               <a:rPr lang="en-CM" smtClean="0"/>
-              <a:t>04/29/2024</a:t>
+              <a:t>30/04/2024</a:t>
             </a:fld>
             <a:endParaRPr lang="en-CM"/>
           </a:p>
@@ -2742,7 +2749,7 @@
           <a:p>
             <a:fld id="{27FCFBF5-FD97-4649-AE20-3D1D49646449}" type="datetimeFigureOut">
               <a:rPr lang="en-CM" smtClean="0"/>
-              <a:t>04/29/2024</a:t>
+              <a:t>30/04/2024</a:t>
             </a:fld>
             <a:endParaRPr lang="en-CM"/>
           </a:p>
@@ -3367,11 +3374,11 @@
           <a:p>
             <a:r>
               <a:rPr lang="en-US" b="1" dirty="0"/>
-              <a:t>TASK I1</a:t>
+              <a:t>TASK II</a:t>
             </a:r>
             <a:r>
               <a:rPr lang="en-US" dirty="0"/>
-              <a:t>:</a:t>
+              <a:t>: REQUIREMENT GATHERING</a:t>
             </a:r>
           </a:p>
           <a:p>
@@ -3413,19 +3420,109 @@
           <a:chExt cx="0" cy="0"/>
         </a:xfrm>
       </p:grpSpPr>
+      <p:sp>
+        <p:nvSpPr>
+          <p:cNvPr id="2" name="Title 1">
+            <a:extLst>
+              <a:ext uri="{FF2B5EF4-FFF2-40B4-BE49-F238E27FC236}">
+                <a16:creationId xmlns:a16="http://schemas.microsoft.com/office/drawing/2014/main" id="{CD887F2B-2AF6-48F0-B6CA-203EBD2248C1}"/>
+              </a:ext>
+            </a:extLst>
+          </p:cNvPr>
+          <p:cNvSpPr>
+            <a:spLocks noGrp="1"/>
+          </p:cNvSpPr>
+          <p:nvPr>
+            <p:ph type="title"/>
+          </p:nvPr>
+        </p:nvSpPr>
+        <p:spPr/>
+        <p:txBody>
+          <a:bodyPr/>
+          <a:lstStyle/>
+          <a:p>
+            <a:r>
+              <a:rPr lang="en-US" b="1" dirty="0"/>
+              <a:t>Requirement gathering process</a:t>
+            </a:r>
+            <a:br>
+              <a:rPr lang="en-US" b="1" dirty="0"/>
+            </a:br>
+            <a:br>
+              <a:rPr lang="en-US" sz="2400" b="1" dirty="0">
+                <a:solidFill>
+                  <a:srgbClr val="00B050"/>
+                </a:solidFill>
+              </a:rPr>
+            </a:br>
+            <a:r>
+              <a:rPr lang="en-US" sz="2400" b="1" dirty="0">
+                <a:solidFill>
+                  <a:srgbClr val="00B050"/>
+                </a:solidFill>
+              </a:rPr>
+              <a:t>Gathering Techniques(2/6)</a:t>
+            </a:r>
+            <a:endParaRPr lang="en-CM" b="1" dirty="0"/>
+          </a:p>
+        </p:txBody>
+      </p:sp>
+      <p:sp>
+        <p:nvSpPr>
+          <p:cNvPr id="4" name="Text Placeholder 3">
+            <a:extLst>
+              <a:ext uri="{FF2B5EF4-FFF2-40B4-BE49-F238E27FC236}">
+                <a16:creationId xmlns:a16="http://schemas.microsoft.com/office/drawing/2014/main" id="{1B74A800-61C9-4813-9A7B-59E21E3CF94A}"/>
+              </a:ext>
+            </a:extLst>
+          </p:cNvPr>
+          <p:cNvSpPr>
+            <a:spLocks noGrp="1"/>
+          </p:cNvSpPr>
+          <p:nvPr>
+            <p:ph type="body" sz="half" idx="2"/>
+          </p:nvPr>
+        </p:nvSpPr>
+        <p:spPr/>
+        <p:txBody>
+          <a:bodyPr>
+            <a:noAutofit/>
+          </a:bodyPr>
+          <a:lstStyle/>
+          <a:p>
+            <a:r>
+              <a:rPr lang="en-US" sz="1800" b="1" dirty="0">
+                <a:solidFill>
+                  <a:schemeClr val="accent5">
+                    <a:lumMod val="60000"/>
+                    <a:lumOff val="40000"/>
+                  </a:schemeClr>
+                </a:solidFill>
+              </a:rPr>
+              <a:t>Conducting user interviews</a:t>
+            </a:r>
+            <a:r>
+              <a:rPr lang="en-US" sz="1800" dirty="0"/>
+              <a:t>:  Conducting one-on-one interviews with stakeholders allows for in-depth exploration of their needs, preferences, and challenges.</a:t>
+            </a:r>
+          </a:p>
+        </p:txBody>
+      </p:sp>
       <p:pic>
         <p:nvPicPr>
-          <p:cNvPr id="4" name="Picture 3">
+          <p:cNvPr id="2052" name="Picture 4" descr="Answer Common Job Interview Questions ...">
             <a:extLst>
               <a:ext uri="{FF2B5EF4-FFF2-40B4-BE49-F238E27FC236}">
-                <a16:creationId xmlns:a16="http://schemas.microsoft.com/office/drawing/2014/main" id="{7CDC144D-95F9-0ACC-CD8B-7FDBC6BF0007}"/>
+                <a16:creationId xmlns:a16="http://schemas.microsoft.com/office/drawing/2014/main" id="{2135EF92-69EE-4C4D-A0A7-6D8BE5249454}"/>
               </a:ext>
             </a:extLst>
           </p:cNvPr>
           <p:cNvPicPr>
-            <a:picLocks noChangeAspect="1"/>
+            <a:picLocks noGrp="1" noChangeAspect="1" noChangeArrowheads="1"/>
           </p:cNvPicPr>
-          <p:nvPr/>
+          <p:nvPr>
+            <p:ph idx="1"/>
+          </p:nvPr>
         </p:nvPicPr>
         <p:blipFill>
           <a:blip r:embed="rId2">
@@ -3435,59 +3532,35 @@
               </a:ext>
             </a:extLst>
           </a:blip>
+          <a:srcRect/>
           <a:stretch>
             <a:fillRect/>
           </a:stretch>
         </p:blipFill>
-        <p:spPr>
+        <p:spPr bwMode="auto">
           <a:xfrm>
-            <a:off x="0" y="92242"/>
-            <a:ext cx="6348783" cy="5097780"/>
+            <a:off x="4624073" y="401053"/>
+            <a:ext cx="7696264" cy="5443464"/>
           </a:xfrm>
           <a:prstGeom prst="rect">
             <a:avLst/>
           </a:prstGeom>
-        </p:spPr>
-      </p:pic>
-      <p:pic>
-        <p:nvPicPr>
-          <p:cNvPr id="6" name="Picture 5">
-            <a:extLst>
-              <a:ext uri="{FF2B5EF4-FFF2-40B4-BE49-F238E27FC236}">
-                <a16:creationId xmlns:a16="http://schemas.microsoft.com/office/drawing/2014/main" id="{720BC7B8-9211-39BD-F69D-8086745BD023}"/>
-              </a:ext>
-            </a:extLst>
-          </p:cNvPr>
-          <p:cNvPicPr>
-            <a:picLocks noChangeAspect="1"/>
-          </p:cNvPicPr>
-          <p:nvPr/>
-        </p:nvPicPr>
-        <p:blipFill rotWithShape="1">
-          <a:blip r:embed="rId3">
-            <a:extLst>
-              <a:ext uri="{28A0092B-C50C-407E-A947-70E740481C1C}">
-                <a14:useLocalDpi xmlns:a14="http://schemas.microsoft.com/office/drawing/2010/main" val="0"/>
-              </a:ext>
-            </a:extLst>
-          </a:blip>
-          <a:srcRect b="2778"/>
-          <a:stretch/>
-        </p:blipFill>
-        <p:spPr>
-          <a:xfrm>
-            <a:off x="6348783" y="92242"/>
-            <a:ext cx="5843217" cy="5097780"/>
-          </a:xfrm>
-          <a:prstGeom prst="rect">
-            <a:avLst/>
-          </a:prstGeom>
+          <a:noFill/>
+          <a:extLst>
+            <a:ext uri="{909E8E84-426E-40DD-AFC4-6F175D3DCCD1}">
+              <a14:hiddenFill xmlns:a14="http://schemas.microsoft.com/office/drawing/2010/main">
+                <a:solidFill>
+                  <a:srgbClr val="FFFFFF"/>
+                </a:solidFill>
+              </a14:hiddenFill>
+            </a:ext>
+          </a:extLst>
         </p:spPr>
       </p:pic>
     </p:spTree>
     <p:extLst>
       <p:ext uri="{BB962C8B-B14F-4D97-AF65-F5344CB8AC3E}">
-        <p14:creationId xmlns:p14="http://schemas.microsoft.com/office/powerpoint/2010/main" val="2547235718"/>
+        <p14:creationId xmlns:p14="http://schemas.microsoft.com/office/powerpoint/2010/main" val="1118771176"/>
       </p:ext>
     </p:extLst>
   </p:cSld>
@@ -3514,80 +3587,145 @@
           <a:chExt cx="0" cy="0"/>
         </a:xfrm>
       </p:grpSpPr>
-      <p:pic>
-        <p:nvPicPr>
-          <p:cNvPr id="3" name="Picture 2">
+      <p:sp>
+        <p:nvSpPr>
+          <p:cNvPr id="2" name="Title 1">
             <a:extLst>
               <a:ext uri="{FF2B5EF4-FFF2-40B4-BE49-F238E27FC236}">
-                <a16:creationId xmlns:a16="http://schemas.microsoft.com/office/drawing/2014/main" id="{A0F90EF2-08FE-E4D0-60FE-A91D12ABDE45}"/>
+                <a16:creationId xmlns:a16="http://schemas.microsoft.com/office/drawing/2014/main" id="{992B07CF-0F42-49C1-B1EF-77A97EC4A94F}"/>
               </a:ext>
             </a:extLst>
           </p:cNvPr>
-          <p:cNvPicPr>
-            <a:picLocks noChangeAspect="1"/>
-          </p:cNvPicPr>
-          <p:nvPr/>
-        </p:nvPicPr>
-        <p:blipFill rotWithShape="1">
-          <a:blip r:embed="rId2">
-            <a:extLst>
-              <a:ext uri="{28A0092B-C50C-407E-A947-70E740481C1C}">
-                <a14:useLocalDpi xmlns:a14="http://schemas.microsoft.com/office/drawing/2010/main" val="0"/>
-              </a:ext>
-            </a:extLst>
-          </a:blip>
-          <a:srcRect l="1" t="8181" r="-1364"/>
-          <a:stretch/>
-        </p:blipFill>
+          <p:cNvSpPr>
+            <a:spLocks noGrp="1"/>
+          </p:cNvSpPr>
+          <p:nvPr>
+            <p:ph type="title"/>
+          </p:nvPr>
+        </p:nvSpPr>
         <p:spPr>
-          <a:xfrm rot="16200000">
-            <a:off x="153904" y="-218073"/>
-            <a:ext cx="5904497" cy="6212305"/>
+          <a:xfrm>
+            <a:off x="1130270" y="867037"/>
+            <a:ext cx="9603275" cy="1049235"/>
           </a:xfrm>
-          <a:prstGeom prst="rect">
-            <a:avLst/>
-          </a:prstGeom>
         </p:spPr>
-      </p:pic>
-      <p:pic>
-        <p:nvPicPr>
-          <p:cNvPr id="5" name="Picture 4">
+        <p:txBody>
+          <a:bodyPr/>
+          <a:lstStyle/>
+          <a:p>
+            <a:r>
+              <a:rPr lang="en-US" b="1" dirty="0"/>
+              <a:t>Requirement gathering process</a:t>
+            </a:r>
+            <a:endParaRPr lang="en-CM" b="1" dirty="0"/>
+          </a:p>
+        </p:txBody>
+      </p:sp>
+      <p:sp>
+        <p:nvSpPr>
+          <p:cNvPr id="3" name="Content Placeholder 2">
             <a:extLst>
               <a:ext uri="{FF2B5EF4-FFF2-40B4-BE49-F238E27FC236}">
-                <a16:creationId xmlns:a16="http://schemas.microsoft.com/office/drawing/2014/main" id="{A20D8980-5443-B1B7-C9AD-9B2630CF79E1}"/>
+                <a16:creationId xmlns:a16="http://schemas.microsoft.com/office/drawing/2014/main" id="{EE115419-81E7-4491-86FD-E97EA5C70544}"/>
               </a:ext>
             </a:extLst>
           </p:cNvPr>
-          <p:cNvPicPr>
-            <a:picLocks noChangeAspect="1"/>
-          </p:cNvPicPr>
-          <p:nvPr/>
-        </p:nvPicPr>
-        <p:blipFill rotWithShape="1">
-          <a:blip r:embed="rId3">
-            <a:extLst>
-              <a:ext uri="{28A0092B-C50C-407E-A947-70E740481C1C}">
-                <a14:useLocalDpi xmlns:a14="http://schemas.microsoft.com/office/drawing/2010/main" val="0"/>
-              </a:ext>
-            </a:extLst>
-          </a:blip>
-          <a:srcRect l="15440" r="3158"/>
-          <a:stretch/>
-        </p:blipFill>
-        <p:spPr>
-          <a:xfrm>
-            <a:off x="6212305" y="0"/>
-            <a:ext cx="6523122" cy="5840328"/>
-          </a:xfrm>
-          <a:prstGeom prst="rect">
-            <a:avLst/>
-          </a:prstGeom>
-        </p:spPr>
-      </p:pic>
+          <p:cNvSpPr>
+            <a:spLocks noGrp="1"/>
+          </p:cNvSpPr>
+          <p:nvPr>
+            <p:ph idx="1"/>
+          </p:nvPr>
+        </p:nvSpPr>
+        <p:spPr/>
+        <p:txBody>
+          <a:bodyPr/>
+          <a:lstStyle/>
+          <a:p>
+            <a:pPr marL="285750" indent="-285750">
+              <a:buFont typeface="Arial" panose="020B0604020202020204" pitchFamily="34" charset="0"/>
+              <a:buChar char="•"/>
+            </a:pPr>
+            <a:r>
+              <a:rPr lang="en-US" sz="2800" b="1" dirty="0">
+                <a:solidFill>
+                  <a:srgbClr val="00B050"/>
+                </a:solidFill>
+              </a:rPr>
+              <a:t>Gathering Techniques(3/6)</a:t>
+            </a:r>
+          </a:p>
+          <a:p>
+            <a:pPr marL="0" indent="0">
+              <a:buNone/>
+            </a:pPr>
+            <a:r>
+              <a:rPr lang="en-US" sz="2800" b="1" dirty="0">
+                <a:solidFill>
+                  <a:schemeClr val="accent5">
+                    <a:lumMod val="60000"/>
+                    <a:lumOff val="40000"/>
+                  </a:schemeClr>
+                </a:solidFill>
+              </a:rPr>
+              <a:t>Google Form Surveys: </a:t>
+            </a:r>
+            <a:r>
+              <a:rPr lang="en-US" dirty="0"/>
+              <a:t>We collected the following information and obtain some questions like:</a:t>
+            </a:r>
+          </a:p>
+          <a:p>
+            <a:pPr marL="457200" lvl="1" indent="0">
+              <a:buNone/>
+            </a:pPr>
+            <a:r>
+              <a:rPr lang="en-US" sz="2000" i="1" dirty="0"/>
+              <a:t>Does your faculty currently has a student attendance system in place?</a:t>
+            </a:r>
+          </a:p>
+          <a:p>
+            <a:pPr marL="457200" lvl="1" indent="0">
+              <a:buNone/>
+            </a:pPr>
+            <a:r>
+              <a:rPr lang="en-US" sz="2000" i="1" dirty="0"/>
+              <a:t>If yes, what type of system is currently used?</a:t>
+            </a:r>
+          </a:p>
+          <a:p>
+            <a:pPr marL="457200" lvl="1" indent="0">
+              <a:buNone/>
+            </a:pPr>
+            <a:r>
+              <a:rPr lang="en-US" sz="2000" i="1" dirty="0"/>
+              <a:t>How satisfied are you with the system?</a:t>
+            </a:r>
+          </a:p>
+          <a:p>
+            <a:pPr marL="0" indent="0">
+              <a:buNone/>
+            </a:pPr>
+            <a:endParaRPr lang="en-US" dirty="0"/>
+          </a:p>
+          <a:p>
+            <a:pPr marL="0" indent="0">
+              <a:buNone/>
+            </a:pPr>
+            <a:endParaRPr lang="en-US" dirty="0"/>
+          </a:p>
+          <a:p>
+            <a:pPr marL="0" indent="0">
+              <a:buNone/>
+            </a:pPr>
+            <a:endParaRPr lang="en-CM" dirty="0"/>
+          </a:p>
+        </p:txBody>
+      </p:sp>
     </p:spTree>
     <p:extLst>
       <p:ext uri="{BB962C8B-B14F-4D97-AF65-F5344CB8AC3E}">
-        <p14:creationId xmlns:p14="http://schemas.microsoft.com/office/powerpoint/2010/main" val="2164126470"/>
+        <p14:creationId xmlns:p14="http://schemas.microsoft.com/office/powerpoint/2010/main" val="4004158048"/>
       </p:ext>
     </p:extLst>
   </p:cSld>
@@ -3616,6 +3754,729 @@
       </p:grpSpPr>
       <p:sp>
         <p:nvSpPr>
+          <p:cNvPr id="4" name="Title 3">
+            <a:extLst>
+              <a:ext uri="{FF2B5EF4-FFF2-40B4-BE49-F238E27FC236}">
+                <a16:creationId xmlns:a16="http://schemas.microsoft.com/office/drawing/2014/main" id="{F0589CA5-6A82-440D-8199-399BCC75095F}"/>
+              </a:ext>
+            </a:extLst>
+          </p:cNvPr>
+          <p:cNvSpPr>
+            <a:spLocks noGrp="1"/>
+          </p:cNvSpPr>
+          <p:nvPr>
+            <p:ph type="title"/>
+          </p:nvPr>
+        </p:nvSpPr>
+        <p:spPr>
+          <a:xfrm>
+            <a:off x="257555" y="503761"/>
+            <a:ext cx="2961967" cy="2406518"/>
+          </a:xfrm>
+        </p:spPr>
+        <p:txBody>
+          <a:bodyPr/>
+          <a:lstStyle/>
+          <a:p>
+            <a:r>
+              <a:rPr lang="en-US" dirty="0"/>
+              <a:t>Sample question</a:t>
+            </a:r>
+            <a:endParaRPr lang="en-CM" dirty="0"/>
+          </a:p>
+        </p:txBody>
+      </p:sp>
+      <p:sp>
+        <p:nvSpPr>
+          <p:cNvPr id="6" name="Text Placeholder 5">
+            <a:extLst>
+              <a:ext uri="{FF2B5EF4-FFF2-40B4-BE49-F238E27FC236}">
+                <a16:creationId xmlns:a16="http://schemas.microsoft.com/office/drawing/2014/main" id="{CA0313A6-E59B-457D-AFDE-1A82FF8EDC7A}"/>
+              </a:ext>
+            </a:extLst>
+          </p:cNvPr>
+          <p:cNvSpPr>
+            <a:spLocks noGrp="1"/>
+          </p:cNvSpPr>
+          <p:nvPr>
+            <p:ph type="body" sz="half" idx="2"/>
+          </p:nvPr>
+        </p:nvSpPr>
+        <p:spPr>
+          <a:xfrm>
+            <a:off x="257555" y="2910279"/>
+            <a:ext cx="2961967" cy="2248181"/>
+          </a:xfrm>
+        </p:spPr>
+        <p:txBody>
+          <a:bodyPr/>
+          <a:lstStyle/>
+          <a:p>
+            <a:r>
+              <a:rPr lang="en-US" sz="2400" dirty="0"/>
+              <a:t>How satisfied are you with the system?</a:t>
+            </a:r>
+          </a:p>
+          <a:p>
+            <a:endParaRPr lang="en-CM" dirty="0"/>
+          </a:p>
+        </p:txBody>
+      </p:sp>
+      <p:pic>
+        <p:nvPicPr>
+          <p:cNvPr id="7" name="Content Placeholder 6">
+            <a:extLst>
+              <a:ext uri="{FF2B5EF4-FFF2-40B4-BE49-F238E27FC236}">
+                <a16:creationId xmlns:a16="http://schemas.microsoft.com/office/drawing/2014/main" id="{DB531482-20AE-40F3-805E-15BBF9826AC3}"/>
+              </a:ext>
+            </a:extLst>
+          </p:cNvPr>
+          <p:cNvPicPr>
+            <a:picLocks noGrp="1" noChangeAspect="1"/>
+          </p:cNvPicPr>
+          <p:nvPr>
+            <p:ph idx="1"/>
+          </p:nvPr>
+        </p:nvPicPr>
+        <p:blipFill>
+          <a:blip r:embed="rId2">
+            <a:extLst>
+              <a:ext uri="{28A0092B-C50C-407E-A947-70E740481C1C}">
+                <a14:useLocalDpi xmlns:a14="http://schemas.microsoft.com/office/drawing/2010/main" val="0"/>
+              </a:ext>
+            </a:extLst>
+          </a:blip>
+          <a:stretch>
+            <a:fillRect/>
+          </a:stretch>
+        </p:blipFill>
+        <p:spPr>
+          <a:xfrm>
+            <a:off x="3219522" y="54582"/>
+            <a:ext cx="9164983" cy="6047873"/>
+          </a:xfrm>
+          <a:prstGeom prst="rect">
+            <a:avLst/>
+          </a:prstGeom>
+        </p:spPr>
+      </p:pic>
+    </p:spTree>
+    <p:extLst>
+      <p:ext uri="{BB962C8B-B14F-4D97-AF65-F5344CB8AC3E}">
+        <p14:creationId xmlns:p14="http://schemas.microsoft.com/office/powerpoint/2010/main" val="1365535045"/>
+      </p:ext>
+    </p:extLst>
+  </p:cSld>
+  <p:clrMapOvr>
+    <a:masterClrMapping/>
+  </p:clrMapOvr>
+</p:sld>
+</file>
+
+<file path=ppt/slides/slide13.xml><?xml version="1.0" encoding="utf-8"?>
+<p:sld xmlns:a="http://schemas.openxmlformats.org/drawingml/2006/main" xmlns:r="http://schemas.openxmlformats.org/officeDocument/2006/relationships" xmlns:p="http://schemas.openxmlformats.org/presentationml/2006/main">
+  <p:cSld>
+    <p:spTree>
+      <p:nvGrpSpPr>
+        <p:cNvPr id="1" name=""/>
+        <p:cNvGrpSpPr/>
+        <p:nvPr/>
+      </p:nvGrpSpPr>
+      <p:grpSpPr>
+        <a:xfrm>
+          <a:off x="0" y="0"/>
+          <a:ext cx="0" cy="0"/>
+          <a:chOff x="0" y="0"/>
+          <a:chExt cx="0" cy="0"/>
+        </a:xfrm>
+      </p:grpSpPr>
+      <p:sp>
+        <p:nvSpPr>
+          <p:cNvPr id="4" name="Title 3">
+            <a:extLst>
+              <a:ext uri="{FF2B5EF4-FFF2-40B4-BE49-F238E27FC236}">
+                <a16:creationId xmlns:a16="http://schemas.microsoft.com/office/drawing/2014/main" id="{F0589CA5-6A82-440D-8199-399BCC75095F}"/>
+              </a:ext>
+            </a:extLst>
+          </p:cNvPr>
+          <p:cNvSpPr>
+            <a:spLocks noGrp="1"/>
+          </p:cNvSpPr>
+          <p:nvPr>
+            <p:ph type="title"/>
+          </p:nvPr>
+        </p:nvSpPr>
+        <p:spPr>
+          <a:xfrm>
+            <a:off x="257555" y="503761"/>
+            <a:ext cx="2961967" cy="2406518"/>
+          </a:xfrm>
+        </p:spPr>
+        <p:txBody>
+          <a:bodyPr/>
+          <a:lstStyle/>
+          <a:p>
+            <a:r>
+              <a:rPr lang="en-US" dirty="0"/>
+              <a:t>Sample question</a:t>
+            </a:r>
+            <a:endParaRPr lang="en-CM" dirty="0"/>
+          </a:p>
+        </p:txBody>
+      </p:sp>
+      <p:sp>
+        <p:nvSpPr>
+          <p:cNvPr id="6" name="Text Placeholder 5">
+            <a:extLst>
+              <a:ext uri="{FF2B5EF4-FFF2-40B4-BE49-F238E27FC236}">
+                <a16:creationId xmlns:a16="http://schemas.microsoft.com/office/drawing/2014/main" id="{CA0313A6-E59B-457D-AFDE-1A82FF8EDC7A}"/>
+              </a:ext>
+            </a:extLst>
+          </p:cNvPr>
+          <p:cNvSpPr>
+            <a:spLocks noGrp="1"/>
+          </p:cNvSpPr>
+          <p:nvPr>
+            <p:ph type="body" sz="half" idx="2"/>
+          </p:nvPr>
+        </p:nvSpPr>
+        <p:spPr>
+          <a:xfrm>
+            <a:off x="257555" y="2910279"/>
+            <a:ext cx="2961967" cy="2248181"/>
+          </a:xfrm>
+        </p:spPr>
+        <p:txBody>
+          <a:bodyPr/>
+          <a:lstStyle/>
+          <a:p>
+            <a:r>
+              <a:rPr lang="en-US" sz="2400" dirty="0"/>
+              <a:t>How well do you understand a biometric technology?</a:t>
+            </a:r>
+          </a:p>
+          <a:p>
+            <a:endParaRPr lang="en-CM" dirty="0"/>
+          </a:p>
+        </p:txBody>
+      </p:sp>
+      <p:pic>
+        <p:nvPicPr>
+          <p:cNvPr id="8" name="Content Placeholder 7">
+            <a:extLst>
+              <a:ext uri="{FF2B5EF4-FFF2-40B4-BE49-F238E27FC236}">
+                <a16:creationId xmlns:a16="http://schemas.microsoft.com/office/drawing/2014/main" id="{9A38065E-3B97-4B5A-A76A-156F9178410E}"/>
+              </a:ext>
+            </a:extLst>
+          </p:cNvPr>
+          <p:cNvPicPr>
+            <a:picLocks noGrp="1" noChangeAspect="1"/>
+          </p:cNvPicPr>
+          <p:nvPr>
+            <p:ph idx="1"/>
+          </p:nvPr>
+        </p:nvPicPr>
+        <p:blipFill rotWithShape="1">
+          <a:blip r:embed="rId2">
+            <a:extLst>
+              <a:ext uri="{28A0092B-C50C-407E-A947-70E740481C1C}">
+                <a14:useLocalDpi xmlns:a14="http://schemas.microsoft.com/office/drawing/2010/main" val="0"/>
+              </a:ext>
+            </a:extLst>
+          </a:blip>
+          <a:srcRect b="2778"/>
+          <a:stretch/>
+        </p:blipFill>
+        <p:spPr>
+          <a:xfrm>
+            <a:off x="3220416" y="1"/>
+            <a:ext cx="8971584" cy="6096000"/>
+          </a:xfrm>
+          <a:prstGeom prst="rect">
+            <a:avLst/>
+          </a:prstGeom>
+        </p:spPr>
+      </p:pic>
+    </p:spTree>
+    <p:extLst>
+      <p:ext uri="{BB962C8B-B14F-4D97-AF65-F5344CB8AC3E}">
+        <p14:creationId xmlns:p14="http://schemas.microsoft.com/office/powerpoint/2010/main" val="3067265910"/>
+      </p:ext>
+    </p:extLst>
+  </p:cSld>
+  <p:clrMapOvr>
+    <a:masterClrMapping/>
+  </p:clrMapOvr>
+</p:sld>
+</file>
+
+<file path=ppt/slides/slide14.xml><?xml version="1.0" encoding="utf-8"?>
+<p:sld xmlns:a="http://schemas.openxmlformats.org/drawingml/2006/main" xmlns:r="http://schemas.openxmlformats.org/officeDocument/2006/relationships" xmlns:p="http://schemas.openxmlformats.org/presentationml/2006/main">
+  <p:cSld>
+    <p:spTree>
+      <p:nvGrpSpPr>
+        <p:cNvPr id="1" name=""/>
+        <p:cNvGrpSpPr/>
+        <p:nvPr/>
+      </p:nvGrpSpPr>
+      <p:grpSpPr>
+        <a:xfrm>
+          <a:off x="0" y="0"/>
+          <a:ext cx="0" cy="0"/>
+          <a:chOff x="0" y="0"/>
+          <a:chExt cx="0" cy="0"/>
+        </a:xfrm>
+      </p:grpSpPr>
+      <p:sp>
+        <p:nvSpPr>
+          <p:cNvPr id="4" name="Title 3">
+            <a:extLst>
+              <a:ext uri="{FF2B5EF4-FFF2-40B4-BE49-F238E27FC236}">
+                <a16:creationId xmlns:a16="http://schemas.microsoft.com/office/drawing/2014/main" id="{F0589CA5-6A82-440D-8199-399BCC75095F}"/>
+              </a:ext>
+            </a:extLst>
+          </p:cNvPr>
+          <p:cNvSpPr>
+            <a:spLocks noGrp="1"/>
+          </p:cNvSpPr>
+          <p:nvPr>
+            <p:ph type="title"/>
+          </p:nvPr>
+        </p:nvSpPr>
+        <p:spPr>
+          <a:xfrm>
+            <a:off x="257555" y="503761"/>
+            <a:ext cx="2961967" cy="2406518"/>
+          </a:xfrm>
+        </p:spPr>
+        <p:txBody>
+          <a:bodyPr/>
+          <a:lstStyle/>
+          <a:p>
+            <a:r>
+              <a:rPr lang="en-US" dirty="0"/>
+              <a:t>Sample question</a:t>
+            </a:r>
+            <a:endParaRPr lang="en-CM" dirty="0"/>
+          </a:p>
+        </p:txBody>
+      </p:sp>
+      <p:sp>
+        <p:nvSpPr>
+          <p:cNvPr id="6" name="Text Placeholder 5">
+            <a:extLst>
+              <a:ext uri="{FF2B5EF4-FFF2-40B4-BE49-F238E27FC236}">
+                <a16:creationId xmlns:a16="http://schemas.microsoft.com/office/drawing/2014/main" id="{CA0313A6-E59B-457D-AFDE-1A82FF8EDC7A}"/>
+              </a:ext>
+            </a:extLst>
+          </p:cNvPr>
+          <p:cNvSpPr>
+            <a:spLocks noGrp="1"/>
+          </p:cNvSpPr>
+          <p:nvPr>
+            <p:ph type="body" sz="half" idx="2"/>
+          </p:nvPr>
+        </p:nvSpPr>
+        <p:spPr>
+          <a:xfrm>
+            <a:off x="257555" y="2910279"/>
+            <a:ext cx="2894169" cy="2248181"/>
+          </a:xfrm>
+        </p:spPr>
+        <p:txBody>
+          <a:bodyPr>
+            <a:normAutofit/>
+          </a:bodyPr>
+          <a:lstStyle/>
+          <a:p>
+            <a:r>
+              <a:rPr lang="en-US" sz="2400" dirty="0"/>
+              <a:t>Would you like to receive training on a biometric attendance system?</a:t>
+            </a:r>
+          </a:p>
+        </p:txBody>
+      </p:sp>
+      <p:pic>
+        <p:nvPicPr>
+          <p:cNvPr id="9" name="Content Placeholder 8">
+            <a:extLst>
+              <a:ext uri="{FF2B5EF4-FFF2-40B4-BE49-F238E27FC236}">
+                <a16:creationId xmlns:a16="http://schemas.microsoft.com/office/drawing/2014/main" id="{75F32A7E-F130-46A3-B8C4-CEC93D001959}"/>
+              </a:ext>
+            </a:extLst>
+          </p:cNvPr>
+          <p:cNvPicPr>
+            <a:picLocks noGrp="1" noChangeAspect="1"/>
+          </p:cNvPicPr>
+          <p:nvPr>
+            <p:ph idx="1"/>
+          </p:nvPr>
+        </p:nvPicPr>
+        <p:blipFill>
+          <a:blip r:embed="rId2">
+            <a:extLst>
+              <a:ext uri="{28A0092B-C50C-407E-A947-70E740481C1C}">
+                <a14:useLocalDpi xmlns:a14="http://schemas.microsoft.com/office/drawing/2010/main" val="0"/>
+              </a:ext>
+            </a:extLst>
+          </a:blip>
+          <a:stretch>
+            <a:fillRect/>
+          </a:stretch>
+        </p:blipFill>
+        <p:spPr>
+          <a:xfrm>
+            <a:off x="3151724" y="0"/>
+            <a:ext cx="9040276" cy="6095999"/>
+          </a:xfrm>
+          <a:prstGeom prst="rect">
+            <a:avLst/>
+          </a:prstGeom>
+        </p:spPr>
+      </p:pic>
+    </p:spTree>
+    <p:extLst>
+      <p:ext uri="{BB962C8B-B14F-4D97-AF65-F5344CB8AC3E}">
+        <p14:creationId xmlns:p14="http://schemas.microsoft.com/office/powerpoint/2010/main" val="1333810088"/>
+      </p:ext>
+    </p:extLst>
+  </p:cSld>
+  <p:clrMapOvr>
+    <a:masterClrMapping/>
+  </p:clrMapOvr>
+</p:sld>
+</file>
+
+<file path=ppt/slides/slide15.xml><?xml version="1.0" encoding="utf-8"?>
+<p:sld xmlns:a="http://schemas.openxmlformats.org/drawingml/2006/main" xmlns:r="http://schemas.openxmlformats.org/officeDocument/2006/relationships" xmlns:p="http://schemas.openxmlformats.org/presentationml/2006/main">
+  <p:cSld>
+    <p:spTree>
+      <p:nvGrpSpPr>
+        <p:cNvPr id="1" name=""/>
+        <p:cNvGrpSpPr/>
+        <p:nvPr/>
+      </p:nvGrpSpPr>
+      <p:grpSpPr>
+        <a:xfrm>
+          <a:off x="0" y="0"/>
+          <a:ext cx="0" cy="0"/>
+          <a:chOff x="0" y="0"/>
+          <a:chExt cx="0" cy="0"/>
+        </a:xfrm>
+      </p:grpSpPr>
+      <p:sp>
+        <p:nvSpPr>
+          <p:cNvPr id="2" name="Title 1">
+            <a:extLst>
+              <a:ext uri="{FF2B5EF4-FFF2-40B4-BE49-F238E27FC236}">
+                <a16:creationId xmlns:a16="http://schemas.microsoft.com/office/drawing/2014/main" id="{992B07CF-0F42-49C1-B1EF-77A97EC4A94F}"/>
+              </a:ext>
+            </a:extLst>
+          </p:cNvPr>
+          <p:cNvSpPr>
+            <a:spLocks noGrp="1"/>
+          </p:cNvSpPr>
+          <p:nvPr>
+            <p:ph type="title"/>
+          </p:nvPr>
+        </p:nvSpPr>
+        <p:spPr/>
+        <p:txBody>
+          <a:bodyPr/>
+          <a:lstStyle/>
+          <a:p>
+            <a:r>
+              <a:rPr lang="en-US" b="1" dirty="0"/>
+              <a:t>Requirement gathering process</a:t>
+            </a:r>
+            <a:br>
+              <a:rPr lang="en-US" b="1" dirty="0"/>
+            </a:br>
+            <a:br>
+              <a:rPr lang="en-US" sz="2400" b="1" dirty="0">
+                <a:solidFill>
+                  <a:srgbClr val="00B050"/>
+                </a:solidFill>
+              </a:rPr>
+            </a:br>
+            <a:r>
+              <a:rPr lang="en-US" sz="2400" b="1" dirty="0">
+                <a:solidFill>
+                  <a:srgbClr val="00B050"/>
+                </a:solidFill>
+              </a:rPr>
+              <a:t>Gathering Techniques(4/6)</a:t>
+            </a:r>
+            <a:endParaRPr lang="en-CM" b="1" dirty="0"/>
+          </a:p>
+        </p:txBody>
+      </p:sp>
+      <p:sp>
+        <p:nvSpPr>
+          <p:cNvPr id="3" name="Content Placeholder 2">
+            <a:extLst>
+              <a:ext uri="{FF2B5EF4-FFF2-40B4-BE49-F238E27FC236}">
+                <a16:creationId xmlns:a16="http://schemas.microsoft.com/office/drawing/2014/main" id="{EE115419-81E7-4491-86FD-E97EA5C70544}"/>
+              </a:ext>
+            </a:extLst>
+          </p:cNvPr>
+          <p:cNvSpPr>
+            <a:spLocks noGrp="1"/>
+          </p:cNvSpPr>
+          <p:nvPr>
+            <p:ph idx="1"/>
+          </p:nvPr>
+        </p:nvSpPr>
+        <p:spPr>
+          <a:xfrm>
+            <a:off x="4779129" y="542301"/>
+            <a:ext cx="6012470" cy="4658826"/>
+          </a:xfrm>
+        </p:spPr>
+        <p:txBody>
+          <a:bodyPr/>
+          <a:lstStyle/>
+          <a:p>
+            <a:pPr marL="0" indent="0">
+              <a:buNone/>
+            </a:pPr>
+            <a:endParaRPr lang="en-US" dirty="0"/>
+          </a:p>
+          <a:p>
+            <a:pPr marL="0" indent="0">
+              <a:buNone/>
+            </a:pPr>
+            <a:endParaRPr lang="en-US" dirty="0"/>
+          </a:p>
+          <a:p>
+            <a:pPr marL="0" indent="0">
+              <a:buNone/>
+            </a:pPr>
+            <a:endParaRPr lang="en-CM" dirty="0"/>
+          </a:p>
+        </p:txBody>
+      </p:sp>
+      <p:sp>
+        <p:nvSpPr>
+          <p:cNvPr id="7" name="Text Placeholder 6">
+            <a:extLst>
+              <a:ext uri="{FF2B5EF4-FFF2-40B4-BE49-F238E27FC236}">
+                <a16:creationId xmlns:a16="http://schemas.microsoft.com/office/drawing/2014/main" id="{C7030388-5987-4AD6-8B0E-4E478534A417}"/>
+              </a:ext>
+            </a:extLst>
+          </p:cNvPr>
+          <p:cNvSpPr>
+            <a:spLocks noGrp="1"/>
+          </p:cNvSpPr>
+          <p:nvPr>
+            <p:ph type="body" sz="half" idx="2"/>
+          </p:nvPr>
+        </p:nvSpPr>
+        <p:spPr>
+          <a:xfrm>
+            <a:off x="1444671" y="3205491"/>
+            <a:ext cx="2838571" cy="2730088"/>
+          </a:xfrm>
+        </p:spPr>
+        <p:txBody>
+          <a:bodyPr>
+            <a:noAutofit/>
+          </a:bodyPr>
+          <a:lstStyle/>
+          <a:p>
+            <a:r>
+              <a:rPr lang="en-US" sz="2400" b="1" dirty="0">
+                <a:solidFill>
+                  <a:schemeClr val="accent5">
+                    <a:lumMod val="60000"/>
+                    <a:lumOff val="40000"/>
+                  </a:schemeClr>
+                </a:solidFill>
+              </a:rPr>
+              <a:t>Workshop: </a:t>
+            </a:r>
+            <a:r>
+              <a:rPr lang="en-US" sz="2400" dirty="0"/>
+              <a:t>Workshops are brainstorming sessions between developers and stakeholders.</a:t>
+            </a:r>
+            <a:endParaRPr lang="en-CM" sz="2400" dirty="0"/>
+          </a:p>
+        </p:txBody>
+      </p:sp>
+      <p:grpSp>
+        <p:nvGrpSpPr>
+          <p:cNvPr id="8" name="Group 7">
+            <a:extLst>
+              <a:ext uri="{FF2B5EF4-FFF2-40B4-BE49-F238E27FC236}">
+                <a16:creationId xmlns:a16="http://schemas.microsoft.com/office/drawing/2014/main" id="{F6E1A2A0-71BD-475F-B3F9-A736691F78C2}"/>
+              </a:ext>
+            </a:extLst>
+          </p:cNvPr>
+          <p:cNvGrpSpPr>
+            <a:grpSpLocks/>
+          </p:cNvGrpSpPr>
+          <p:nvPr/>
+        </p:nvGrpSpPr>
+        <p:grpSpPr>
+          <a:xfrm>
+            <a:off x="4379494" y="320842"/>
+            <a:ext cx="8726905" cy="5738185"/>
+            <a:chOff x="407458" y="0"/>
+            <a:chExt cx="3389313" cy="3276600"/>
+          </a:xfrm>
+        </p:grpSpPr>
+        <p:pic>
+          <p:nvPicPr>
+            <p:cNvPr id="9" name="Picture 8">
+              <a:extLst>
+                <a:ext uri="{FF2B5EF4-FFF2-40B4-BE49-F238E27FC236}">
+                  <a16:creationId xmlns:a16="http://schemas.microsoft.com/office/drawing/2014/main" id="{A60C1784-B15D-4A60-A9BE-5A7561BD44A3}"/>
+                </a:ext>
+              </a:extLst>
+            </p:cNvPr>
+            <p:cNvPicPr>
+              <a:picLocks noChangeAspect="1"/>
+            </p:cNvPicPr>
+            <p:nvPr/>
+          </p:nvPicPr>
+          <p:blipFill>
+            <a:blip r:embed="rId2"/>
+            <a:stretch>
+              <a:fillRect/>
+            </a:stretch>
+          </p:blipFill>
+          <p:spPr>
+            <a:xfrm>
+              <a:off x="474662" y="0"/>
+              <a:ext cx="2981325" cy="2800350"/>
+            </a:xfrm>
+            <a:prstGeom prst="rect">
+              <a:avLst/>
+            </a:prstGeom>
+          </p:spPr>
+        </p:pic>
+        <p:sp>
+          <p:nvSpPr>
+            <p:cNvPr id="10" name="Text Box 2">
+              <a:extLst>
+                <a:ext uri="{FF2B5EF4-FFF2-40B4-BE49-F238E27FC236}">
+                  <a16:creationId xmlns:a16="http://schemas.microsoft.com/office/drawing/2014/main" id="{C3FCFCF2-121E-45C5-9BF8-3BE7D7B1CA87}"/>
+                </a:ext>
+              </a:extLst>
+            </p:cNvPr>
+            <p:cNvSpPr txBox="1">
+              <a:spLocks noChangeArrowheads="1"/>
+            </p:cNvSpPr>
+            <p:nvPr/>
+          </p:nvSpPr>
+          <p:spPr bwMode="auto">
+            <a:xfrm>
+              <a:off x="407458" y="2838450"/>
+              <a:ext cx="3389313" cy="438150"/>
+            </a:xfrm>
+            <a:prstGeom prst="rect">
+              <a:avLst/>
+            </a:prstGeom>
+            <a:solidFill>
+              <a:srgbClr val="FFFFFF"/>
+            </a:solidFill>
+            <a:ln w="9525">
+              <a:noFill/>
+              <a:miter lim="800000"/>
+              <a:headEnd/>
+              <a:tailEnd/>
+            </a:ln>
+          </p:spPr>
+          <p:txBody>
+            <a:bodyPr rot="0" vert="horz" wrap="square" lIns="91440" tIns="45720" rIns="91440" bIns="45720" anchor="t" anchorCtr="0">
+              <a:noAutofit/>
+            </a:bodyPr>
+            <a:lstStyle/>
+            <a:p>
+              <a:pPr marL="1238250" marR="633730" indent="-234950" algn="just">
+                <a:lnSpc>
+                  <a:spcPct val="110000"/>
+                </a:lnSpc>
+                <a:spcAft>
+                  <a:spcPts val="25"/>
+                </a:spcAft>
+              </a:pPr>
+              <a:r>
+                <a:rPr lang="en-US" sz="1100" i="1">
+                  <a:solidFill>
+                    <a:srgbClr val="000000"/>
+                  </a:solidFill>
+                  <a:effectLst/>
+                  <a:latin typeface="Times New Roman" panose="02020603050405020304" pitchFamily="18" charset="0"/>
+                  <a:ea typeface="Times New Roman" panose="02020603050405020304" pitchFamily="18" charset="0"/>
+                </a:rPr>
+                <a:t>Fig: Vector image of stakeholders and developers at workshop.</a:t>
+              </a:r>
+              <a:endParaRPr lang="en-CM" sz="1200">
+                <a:solidFill>
+                  <a:srgbClr val="000000"/>
+                </a:solidFill>
+                <a:effectLst/>
+                <a:latin typeface="Times New Roman" panose="02020603050405020304" pitchFamily="18" charset="0"/>
+                <a:ea typeface="Times New Roman" panose="02020603050405020304" pitchFamily="18" charset="0"/>
+              </a:endParaRPr>
+            </a:p>
+            <a:p>
+              <a:pPr marL="1238250" marR="633730" indent="-234950">
+                <a:lnSpc>
+                  <a:spcPct val="110000"/>
+                </a:lnSpc>
+                <a:spcAft>
+                  <a:spcPts val="25"/>
+                </a:spcAft>
+              </a:pPr>
+              <a:r>
+                <a:rPr lang="en-CM" sz="1200">
+                  <a:solidFill>
+                    <a:srgbClr val="000000"/>
+                  </a:solidFill>
+                  <a:effectLst/>
+                  <a:latin typeface="Times New Roman" panose="02020603050405020304" pitchFamily="18" charset="0"/>
+                  <a:ea typeface="Times New Roman" panose="02020603050405020304" pitchFamily="18" charset="0"/>
+                </a:rPr>
+                <a:t> </a:t>
+              </a:r>
+            </a:p>
+          </p:txBody>
+        </p:sp>
+      </p:grpSp>
+    </p:spTree>
+    <p:extLst>
+      <p:ext uri="{BB962C8B-B14F-4D97-AF65-F5344CB8AC3E}">
+        <p14:creationId xmlns:p14="http://schemas.microsoft.com/office/powerpoint/2010/main" val="834416998"/>
+      </p:ext>
+    </p:extLst>
+  </p:cSld>
+  <p:clrMapOvr>
+    <a:masterClrMapping/>
+  </p:clrMapOvr>
+</p:sld>
+</file>
+
+<file path=ppt/slides/slide16.xml><?xml version="1.0" encoding="utf-8"?>
+<p:sld xmlns:a="http://schemas.openxmlformats.org/drawingml/2006/main" xmlns:r="http://schemas.openxmlformats.org/officeDocument/2006/relationships" xmlns:p="http://schemas.openxmlformats.org/presentationml/2006/main">
+  <p:cSld>
+    <p:spTree>
+      <p:nvGrpSpPr>
+        <p:cNvPr id="1" name=""/>
+        <p:cNvGrpSpPr/>
+        <p:nvPr/>
+      </p:nvGrpSpPr>
+      <p:grpSpPr>
+        <a:xfrm>
+          <a:off x="0" y="0"/>
+          <a:ext cx="0" cy="0"/>
+          <a:chOff x="0" y="0"/>
+          <a:chExt cx="0" cy="0"/>
+        </a:xfrm>
+      </p:grpSpPr>
+      <p:sp>
+        <p:nvSpPr>
           <p:cNvPr id="2" name="Title 1">
             <a:extLst>
               <a:ext uri="{FF2B5EF4-FFF2-40B4-BE49-F238E27FC236}">
@@ -3662,7 +4523,7 @@
           <a:p>
             <a:r>
               <a:rPr lang="en-US" b="1" dirty="0"/>
-              <a:t>Requirement gathering process(4/5)</a:t>
+              <a:t>Requirement gathering process</a:t>
             </a:r>
             <a:endParaRPr lang="en-CM" b="1" dirty="0"/>
           </a:p>
@@ -3909,7 +4770,7 @@
             </a:pPr>
             <a:r>
               <a:rPr lang="en-US" sz="2800" b="1" dirty="0"/>
-              <a:t>Workshop and Brainstorming Session</a:t>
+              <a:t>We were able to come up with requirements such as:</a:t>
             </a:r>
           </a:p>
           <a:p>
@@ -3918,16 +4779,39 @@
               <a:buNone/>
             </a:pPr>
             <a:r>
-              <a:rPr lang="en-US" dirty="0"/>
-              <a:t>We brainstormed to gather insights, identify requirements, and generate innovative ideas for the design and implementation of the Biometric student’s Attendance.</a:t>
-            </a:r>
-            <a:endParaRPr lang="en-US" sz="2000" i="1" dirty="0"/>
+              <a:rPr lang="en-US" sz="2800" b="1" dirty="0"/>
+              <a:t>	Enrollment module</a:t>
+            </a:r>
           </a:p>
           <a:p>
             <a:pPr marL="0" indent="0">
               <a:buFont typeface="Arial" panose="020B0604020202020204" pitchFamily="34" charset="0"/>
               <a:buNone/>
             </a:pPr>
+            <a:r>
+              <a:rPr lang="en-US" sz="2800" b="1" dirty="0"/>
+              <a:t>	Attendance recording module</a:t>
+            </a:r>
+          </a:p>
+          <a:p>
+            <a:pPr marL="0" indent="0">
+              <a:buFont typeface="Arial" panose="020B0604020202020204" pitchFamily="34" charset="0"/>
+              <a:buNone/>
+            </a:pPr>
+            <a:r>
+              <a:rPr lang="en-US" sz="2800" b="1" dirty="0"/>
+              <a:t>	Reporting and Monitoring module</a:t>
+            </a:r>
+          </a:p>
+          <a:p>
+            <a:pPr marL="0" indent="0">
+              <a:buFont typeface="Arial" panose="020B0604020202020204" pitchFamily="34" charset="0"/>
+              <a:buNone/>
+            </a:pPr>
+            <a:r>
+              <a:rPr lang="en-US" sz="2800" b="1" dirty="0"/>
+              <a:t>	Student conduct and performance module</a:t>
+            </a:r>
             <a:endParaRPr lang="en-US" dirty="0"/>
           </a:p>
           <a:p>
@@ -3959,7 +4843,7 @@
 </p:sld>
 </file>
 
-<file path=ppt/slides/slide13.xml><?xml version="1.0" encoding="utf-8"?>
+<file path=ppt/slides/slide17.xml><?xml version="1.0" encoding="utf-8"?>
 <p:sld xmlns:a="http://schemas.openxmlformats.org/drawingml/2006/main" xmlns:r="http://schemas.openxmlformats.org/officeDocument/2006/relationships" xmlns:p="http://schemas.openxmlformats.org/presentationml/2006/main">
   <p:cSld>
     <p:spTree>
@@ -3978,10 +4862,57 @@
       </p:grpSpPr>
       <p:sp>
         <p:nvSpPr>
+          <p:cNvPr id="2" name="Title 1">
+            <a:extLst>
+              <a:ext uri="{FF2B5EF4-FFF2-40B4-BE49-F238E27FC236}">
+                <a16:creationId xmlns:a16="http://schemas.microsoft.com/office/drawing/2014/main" id="{992B07CF-0F42-49C1-B1EF-77A97EC4A94F}"/>
+              </a:ext>
+            </a:extLst>
+          </p:cNvPr>
+          <p:cNvSpPr>
+            <a:spLocks noGrp="1"/>
+          </p:cNvSpPr>
+          <p:nvPr>
+            <p:ph type="title"/>
+          </p:nvPr>
+        </p:nvSpPr>
+        <p:spPr/>
+        <p:txBody>
+          <a:bodyPr/>
+          <a:lstStyle/>
+          <a:p>
+            <a:r>
+              <a:rPr lang="en-US" b="1" dirty="0"/>
+              <a:t>Requirement gathering process(3/5)</a:t>
+            </a:r>
+            <a:br>
+              <a:rPr lang="en-US" b="1" dirty="0"/>
+            </a:br>
+            <a:br>
+              <a:rPr lang="en-US" sz="2400" b="1" dirty="0">
+                <a:solidFill>
+                  <a:srgbClr val="00B050"/>
+                </a:solidFill>
+              </a:rPr>
+            </a:br>
+            <a:r>
+              <a:rPr lang="en-US" sz="2400" b="1" dirty="0">
+                <a:solidFill>
+                  <a:srgbClr val="00B050"/>
+                </a:solidFill>
+              </a:rPr>
+              <a:t>Gathering Techniques(5/6)</a:t>
+            </a:r>
+            <a:endParaRPr lang="en-CM" b="1" dirty="0"/>
+          </a:p>
+        </p:txBody>
+      </p:sp>
+      <p:sp>
+        <p:nvSpPr>
           <p:cNvPr id="3" name="Content Placeholder 2">
             <a:extLst>
               <a:ext uri="{FF2B5EF4-FFF2-40B4-BE49-F238E27FC236}">
-                <a16:creationId xmlns:a16="http://schemas.microsoft.com/office/drawing/2014/main" id="{64A70768-7919-4836-BBE2-80B79646D329}"/>
+                <a16:creationId xmlns:a16="http://schemas.microsoft.com/office/drawing/2014/main" id="{EE115419-81E7-4491-86FD-E97EA5C70544}"/>
               </a:ext>
             </a:extLst>
           </p:cNvPr>
@@ -3994,24 +4925,13 @@
         </p:nvSpPr>
         <p:spPr>
           <a:xfrm>
-            <a:off x="909553" y="1916272"/>
-            <a:ext cx="9603275" cy="2801973"/>
+            <a:off x="4779128" y="-5795072"/>
+            <a:ext cx="15875735" cy="15134842"/>
           </a:xfrm>
         </p:spPr>
         <p:txBody>
-          <a:bodyPr>
-            <a:normAutofit/>
-          </a:bodyPr>
-          <a:lstStyle/>
-          <a:p>
-            <a:pPr marL="0" indent="0">
-              <a:buNone/>
-            </a:pPr>
-            <a:r>
-              <a:rPr lang="en-US" sz="2000" b="1" dirty="0"/>
-              <a:t>Requirement Documentation</a:t>
-            </a:r>
-          </a:p>
+          <a:bodyPr/>
+          <a:lstStyle/>
           <a:p>
             <a:pPr marL="0" indent="0">
               <a:buNone/>
@@ -4019,80 +4939,117 @@
             <a:endParaRPr lang="en-US" dirty="0"/>
           </a:p>
           <a:p>
-            <a:r>
-              <a:rPr lang="en-US" dirty="0"/>
-              <a:t>Use cases</a:t>
-            </a:r>
-          </a:p>
-          <a:p>
-            <a:r>
-              <a:rPr lang="en-US" dirty="0"/>
-              <a:t>User stories</a:t>
-            </a:r>
+            <a:pPr marL="0" indent="0">
+              <a:buNone/>
+            </a:pPr>
+            <a:endParaRPr lang="en-US" dirty="0"/>
+          </a:p>
+          <a:p>
+            <a:pPr marL="0" indent="0">
+              <a:buNone/>
+            </a:pPr>
             <a:endParaRPr lang="en-CM" dirty="0"/>
           </a:p>
         </p:txBody>
       </p:sp>
       <p:sp>
         <p:nvSpPr>
-          <p:cNvPr id="7" name="Title 1">
+          <p:cNvPr id="7" name="Text Placeholder 6">
             <a:extLst>
               <a:ext uri="{FF2B5EF4-FFF2-40B4-BE49-F238E27FC236}">
-                <a16:creationId xmlns:a16="http://schemas.microsoft.com/office/drawing/2014/main" id="{080F8A97-DB15-2412-BB2B-410F6028DA53}"/>
+                <a16:creationId xmlns:a16="http://schemas.microsoft.com/office/drawing/2014/main" id="{C7030388-5987-4AD6-8B0E-4E478534A417}"/>
               </a:ext>
             </a:extLst>
           </p:cNvPr>
-          <p:cNvSpPr txBox="1">
-            <a:spLocks/>
-          </p:cNvSpPr>
-          <p:nvPr/>
+          <p:cNvSpPr>
+            <a:spLocks noGrp="1"/>
+          </p:cNvSpPr>
+          <p:nvPr>
+            <p:ph type="body" sz="half" idx="2"/>
+          </p:nvPr>
         </p:nvSpPr>
         <p:spPr>
           <a:xfrm>
-            <a:off x="1130270" y="867037"/>
-            <a:ext cx="9603275" cy="1049235"/>
+            <a:off x="1444671" y="3205491"/>
+            <a:ext cx="2838571" cy="2406518"/>
+          </a:xfrm>
+        </p:spPr>
+        <p:txBody>
+          <a:bodyPr>
+            <a:noAutofit/>
+          </a:bodyPr>
+          <a:lstStyle/>
+          <a:p>
+            <a:r>
+              <a:rPr lang="en-US" sz="2000" b="1" dirty="0">
+                <a:solidFill>
+                  <a:schemeClr val="accent5">
+                    <a:lumMod val="60000"/>
+                    <a:lumOff val="40000"/>
+                  </a:schemeClr>
+                </a:solidFill>
+              </a:rPr>
+              <a:t>Shadowing: </a:t>
+            </a:r>
+            <a:r>
+              <a:rPr lang="en-US" sz="2000" dirty="0"/>
+              <a:t>shadowing is acting or putting yourself in another one position to mimic his/her views or reactions.</a:t>
+            </a:r>
+            <a:endParaRPr lang="en-CM" sz="2000" dirty="0"/>
+          </a:p>
+        </p:txBody>
+      </p:sp>
+      <p:pic>
+        <p:nvPicPr>
+          <p:cNvPr id="1026" name="Picture 2" descr="Lifelong Lessons Learned in a Day ...">
+            <a:extLst>
+              <a:ext uri="{FF2B5EF4-FFF2-40B4-BE49-F238E27FC236}">
+                <a16:creationId xmlns:a16="http://schemas.microsoft.com/office/drawing/2014/main" id="{83304E1D-8EB8-49C4-B30E-78E4D3EC00B8}"/>
+              </a:ext>
+            </a:extLst>
+          </p:cNvPr>
+          <p:cNvPicPr>
+            <a:picLocks noChangeAspect="1" noChangeArrowheads="1"/>
+          </p:cNvPicPr>
+          <p:nvPr/>
+        </p:nvPicPr>
+        <p:blipFill>
+          <a:blip r:embed="rId2">
+            <a:extLst>
+              <a:ext uri="{28A0092B-C50C-407E-A947-70E740481C1C}">
+                <a14:useLocalDpi xmlns:a14="http://schemas.microsoft.com/office/drawing/2010/main" val="0"/>
+              </a:ext>
+            </a:extLst>
+          </a:blip>
+          <a:srcRect/>
+          <a:stretch>
+            <a:fillRect/>
+          </a:stretch>
+        </p:blipFill>
+        <p:spPr bwMode="auto">
+          <a:xfrm>
+            <a:off x="4672013" y="0"/>
+            <a:ext cx="7519987" cy="6160168"/>
           </a:xfrm>
           <a:prstGeom prst="rect">
             <a:avLst/>
           </a:prstGeom>
+          <a:noFill/>
+          <a:extLst>
+            <a:ext uri="{909E8E84-426E-40DD-AFC4-6F175D3DCCD1}">
+              <a14:hiddenFill xmlns:a14="http://schemas.microsoft.com/office/drawing/2010/main">
+                <a:solidFill>
+                  <a:srgbClr val="FFFFFF"/>
+                </a:solidFill>
+              </a14:hiddenFill>
+            </a:ext>
+          </a:extLst>
         </p:spPr>
-        <p:txBody>
-          <a:bodyPr vert="horz" lIns="91440" tIns="45720" rIns="91440" bIns="45720" rtlCol="0" anchor="t">
-            <a:normAutofit/>
-          </a:bodyPr>
-          <a:lstStyle>
-            <a:lvl1pPr algn="l" defTabSz="914400" rtl="0" eaLnBrk="1" latinLnBrk="0" hangingPunct="1">
-              <a:lnSpc>
-                <a:spcPct val="90000"/>
-              </a:lnSpc>
-              <a:spcBef>
-                <a:spcPct val="0"/>
-              </a:spcBef>
-              <a:buNone/>
-              <a:defRPr sz="3200" b="0" i="0" kern="1200" cap="none">
-                <a:solidFill>
-                  <a:schemeClr val="tx1"/>
-                </a:solidFill>
-                <a:effectLst/>
-                <a:latin typeface="+mj-lt"/>
-                <a:ea typeface="+mj-ea"/>
-                <a:cs typeface="+mj-cs"/>
-              </a:defRPr>
-            </a:lvl1pPr>
-          </a:lstStyle>
-          <a:p>
-            <a:r>
-              <a:rPr lang="en-US" b="1"/>
-              <a:t>Requirement gathering process(3/5)</a:t>
-            </a:r>
-            <a:endParaRPr lang="en-CM" b="1" dirty="0"/>
-          </a:p>
-        </p:txBody>
-      </p:sp>
+      </p:pic>
     </p:spTree>
     <p:extLst>
       <p:ext uri="{BB962C8B-B14F-4D97-AF65-F5344CB8AC3E}">
-        <p14:creationId xmlns:p14="http://schemas.microsoft.com/office/powerpoint/2010/main" val="2845251469"/>
+        <p14:creationId xmlns:p14="http://schemas.microsoft.com/office/powerpoint/2010/main" val="1984362258"/>
       </p:ext>
     </p:extLst>
   </p:cSld>
@@ -4102,7 +5059,7 @@
 </p:sld>
 </file>
 
-<file path=ppt/slides/slide14.xml><?xml version="1.0" encoding="utf-8"?>
+<file path=ppt/slides/slide18.xml><?xml version="1.0" encoding="utf-8"?>
 <p:sld xmlns:a="http://schemas.openxmlformats.org/drawingml/2006/main" xmlns:r="http://schemas.openxmlformats.org/officeDocument/2006/relationships" xmlns:p="http://schemas.openxmlformats.org/presentationml/2006/main">
   <p:cSld>
     <p:spTree>
@@ -4124,1103 +5081,61 @@
           <p:cNvPr id="2" name="Title 1">
             <a:extLst>
               <a:ext uri="{FF2B5EF4-FFF2-40B4-BE49-F238E27FC236}">
-                <a16:creationId xmlns:a16="http://schemas.microsoft.com/office/drawing/2014/main" id="{6BE89BE0-592A-4AEA-AC3D-233F961739AB}"/>
+                <a16:creationId xmlns:a16="http://schemas.microsoft.com/office/drawing/2014/main" id="{1FC83072-F035-A63D-41C1-AA18B2AE944F}"/>
               </a:ext>
             </a:extLst>
           </p:cNvPr>
-          <p:cNvSpPr>
-            <a:spLocks noGrp="1"/>
-          </p:cNvSpPr>
-          <p:nvPr>
-            <p:ph type="title"/>
-          </p:nvPr>
-        </p:nvSpPr>
-        <p:spPr/>
-        <p:txBody>
-          <a:bodyPr/>
-          <a:lstStyle/>
-          <a:p>
-            <a:r>
-              <a:rPr lang="en-GB" b="1" dirty="0"/>
-              <a:t>Conclusion</a:t>
-            </a:r>
-            <a:endParaRPr lang="en-CM" b="1" dirty="0"/>
-          </a:p>
-        </p:txBody>
-      </p:sp>
-      <p:sp>
-        <p:nvSpPr>
-          <p:cNvPr id="3" name="Content Placeholder 2">
-            <a:extLst>
-              <a:ext uri="{FF2B5EF4-FFF2-40B4-BE49-F238E27FC236}">
-                <a16:creationId xmlns:a16="http://schemas.microsoft.com/office/drawing/2014/main" id="{64A70768-7919-4836-BBE2-80B79646D329}"/>
-              </a:ext>
-            </a:extLst>
-          </p:cNvPr>
-          <p:cNvSpPr>
-            <a:spLocks noGrp="1"/>
-          </p:cNvSpPr>
-          <p:nvPr>
-            <p:ph idx="1"/>
-          </p:nvPr>
+          <p:cNvSpPr txBox="1">
+            <a:spLocks/>
+          </p:cNvSpPr>
+          <p:nvPr/>
         </p:nvSpPr>
         <p:spPr>
           <a:xfrm>
-            <a:off x="1294362" y="1781712"/>
-            <a:ext cx="9603275" cy="3294576"/>
-          </a:xfrm>
-        </p:spPr>
-        <p:txBody>
-          <a:bodyPr/>
-          <a:lstStyle/>
-          <a:p>
-            <a:pPr marL="0" indent="0">
-              <a:buNone/>
-            </a:pPr>
-            <a:r>
-              <a:rPr lang="en-GB" dirty="0"/>
-              <a:t>By following these steps, you'll have a solid foundation of user needs and functionalities to guide the development of your biometric student attendance mobile app.</a:t>
-            </a:r>
-          </a:p>
-        </p:txBody>
-      </p:sp>
-    </p:spTree>
-    <p:extLst>
-      <p:ext uri="{BB962C8B-B14F-4D97-AF65-F5344CB8AC3E}">
-        <p14:creationId xmlns:p14="http://schemas.microsoft.com/office/powerpoint/2010/main" val="1015280710"/>
-      </p:ext>
-    </p:extLst>
-  </p:cSld>
-  <p:clrMapOvr>
-    <a:masterClrMapping/>
-  </p:clrMapOvr>
-</p:sld>
-</file>
-
-<file path=ppt/slides/slide15.xml><?xml version="1.0" encoding="utf-8"?>
-<p:sld xmlns:a="http://schemas.openxmlformats.org/drawingml/2006/main" xmlns:r="http://schemas.openxmlformats.org/officeDocument/2006/relationships" xmlns:p="http://schemas.openxmlformats.org/presentationml/2006/main">
-  <p:cSld>
-    <p:spTree>
-      <p:nvGrpSpPr>
-        <p:cNvPr id="1" name=""/>
-        <p:cNvGrpSpPr/>
-        <p:nvPr/>
-      </p:nvGrpSpPr>
-      <p:grpSpPr>
-        <a:xfrm>
-          <a:off x="0" y="0"/>
-          <a:ext cx="0" cy="0"/>
-          <a:chOff x="0" y="0"/>
-          <a:chExt cx="0" cy="0"/>
-        </a:xfrm>
-      </p:grpSpPr>
-      <p:sp>
-        <p:nvSpPr>
-          <p:cNvPr id="4" name="Title 3">
-            <a:extLst>
-              <a:ext uri="{FF2B5EF4-FFF2-40B4-BE49-F238E27FC236}">
-                <a16:creationId xmlns:a16="http://schemas.microsoft.com/office/drawing/2014/main" id="{7A44EBC3-CB50-1978-D677-8450D5DC186E}"/>
-              </a:ext>
-            </a:extLst>
-          </p:cNvPr>
-          <p:cNvSpPr>
-            <a:spLocks noGrp="1"/>
-          </p:cNvSpPr>
-          <p:nvPr>
-            <p:ph type="title"/>
-          </p:nvPr>
-        </p:nvSpPr>
-        <p:spPr>
-          <a:xfrm>
-            <a:off x="1130270" y="953324"/>
-            <a:ext cx="9603275" cy="3129945"/>
-          </a:xfrm>
-        </p:spPr>
-        <p:txBody>
-          <a:bodyPr/>
-          <a:lstStyle/>
-          <a:p>
-            <a:pPr algn="ctr"/>
-            <a:br>
-              <a:rPr lang="en-GB" b="1" dirty="0"/>
-            </a:br>
-            <a:br>
-              <a:rPr lang="en-GB" b="1" dirty="0"/>
-            </a:br>
-            <a:r>
-              <a:rPr lang="en-GB" b="1" dirty="0"/>
-              <a:t>THANK YOU</a:t>
-            </a:r>
-            <a:endParaRPr lang="en-US" b="1" dirty="0"/>
-          </a:p>
-        </p:txBody>
-      </p:sp>
-    </p:spTree>
-    <p:extLst>
-      <p:ext uri="{BB962C8B-B14F-4D97-AF65-F5344CB8AC3E}">
-        <p14:creationId xmlns:p14="http://schemas.microsoft.com/office/powerpoint/2010/main" val="3012697077"/>
-      </p:ext>
-    </p:extLst>
-  </p:cSld>
-  <p:clrMapOvr>
-    <a:masterClrMapping/>
-  </p:clrMapOvr>
-</p:sld>
-</file>
-
-<file path=ppt/slides/slide2.xml><?xml version="1.0" encoding="utf-8"?>
-<p:sld xmlns:a="http://schemas.openxmlformats.org/drawingml/2006/main" xmlns:r="http://schemas.openxmlformats.org/officeDocument/2006/relationships" xmlns:p="http://schemas.openxmlformats.org/presentationml/2006/main">
-  <p:cSld>
-    <p:spTree>
-      <p:nvGrpSpPr>
-        <p:cNvPr id="1" name=""/>
-        <p:cNvGrpSpPr/>
-        <p:nvPr/>
-      </p:nvGrpSpPr>
-      <p:grpSpPr>
-        <a:xfrm>
-          <a:off x="0" y="0"/>
-          <a:ext cx="0" cy="0"/>
-          <a:chOff x="0" y="0"/>
-          <a:chExt cx="0" cy="0"/>
-        </a:xfrm>
-      </p:grpSpPr>
-      <p:sp>
-        <p:nvSpPr>
-          <p:cNvPr id="2" name="Title 1">
-            <a:extLst>
-              <a:ext uri="{FF2B5EF4-FFF2-40B4-BE49-F238E27FC236}">
-                <a16:creationId xmlns:a16="http://schemas.microsoft.com/office/drawing/2014/main" id="{CE8977A4-3DBB-4AC3-BF2C-E4A12959C6A4}"/>
-              </a:ext>
-            </a:extLst>
-          </p:cNvPr>
-          <p:cNvSpPr>
-            <a:spLocks noGrp="1"/>
-          </p:cNvSpPr>
-          <p:nvPr>
-            <p:ph type="title"/>
-          </p:nvPr>
-        </p:nvSpPr>
-        <p:spPr/>
-        <p:txBody>
-          <a:bodyPr/>
-          <a:lstStyle/>
-          <a:p>
-            <a:r>
-              <a:rPr lang="en-US" dirty="0"/>
-              <a:t>What is requirement gathering</a:t>
-            </a:r>
-            <a:endParaRPr lang="en-CM" dirty="0"/>
-          </a:p>
-        </p:txBody>
-      </p:sp>
-      <p:sp>
-        <p:nvSpPr>
-          <p:cNvPr id="3" name="Content Placeholder 2">
-            <a:extLst>
-              <a:ext uri="{FF2B5EF4-FFF2-40B4-BE49-F238E27FC236}">
-                <a16:creationId xmlns:a16="http://schemas.microsoft.com/office/drawing/2014/main" id="{1B3F3A35-6EEE-491C-B96E-642A0A6BEED1}"/>
-              </a:ext>
-            </a:extLst>
-          </p:cNvPr>
-          <p:cNvSpPr>
-            <a:spLocks noGrp="1"/>
-          </p:cNvSpPr>
-          <p:nvPr>
-            <p:ph idx="1"/>
-          </p:nvPr>
-        </p:nvSpPr>
-        <p:spPr/>
-        <p:txBody>
-          <a:bodyPr/>
-          <a:lstStyle/>
-          <a:p>
-            <a:r>
-              <a:rPr lang="en-GB" sz="2400" dirty="0">
-                <a:effectLst/>
-                <a:latin typeface="Calibri" panose="020F0502020204030204" pitchFamily="34" charset="0"/>
-                <a:ea typeface="Calibri" panose="020F0502020204030204" pitchFamily="34" charset="0"/>
-                <a:cs typeface="Times New Roman" panose="02020603050405020304" pitchFamily="18" charset="0"/>
-              </a:rPr>
-              <a:t>Requirement gathering is the process of identifying your project’s exact requirements from start to finish.</a:t>
-            </a:r>
-          </a:p>
-          <a:p>
-            <a:pPr lvl="1"/>
-            <a:r>
-              <a:rPr lang="en-US" dirty="0"/>
-              <a:t>How long will our project schedule be?</a:t>
-            </a:r>
-          </a:p>
-          <a:p>
-            <a:pPr lvl="1"/>
-            <a:r>
-              <a:rPr lang="en-US" dirty="0"/>
-              <a:t>Who will be involved in the project?</a:t>
-            </a:r>
-          </a:p>
-          <a:p>
-            <a:pPr lvl="1"/>
-            <a:r>
-              <a:rPr lang="en-US" dirty="0"/>
-              <a:t>What risks may we face in this project?</a:t>
-            </a:r>
-          </a:p>
-          <a:p>
-            <a:pPr lvl="1"/>
-            <a:r>
-              <a:rPr lang="en-US" dirty="0"/>
-              <a:t>Studying the current system</a:t>
-            </a:r>
-          </a:p>
-        </p:txBody>
-      </p:sp>
-    </p:spTree>
-    <p:extLst>
-      <p:ext uri="{BB962C8B-B14F-4D97-AF65-F5344CB8AC3E}">
-        <p14:creationId xmlns:p14="http://schemas.microsoft.com/office/powerpoint/2010/main" val="2442050691"/>
-      </p:ext>
-    </p:extLst>
-  </p:cSld>
-  <p:clrMapOvr>
-    <a:masterClrMapping/>
-  </p:clrMapOvr>
-</p:sld>
-</file>
-
-<file path=ppt/slides/slide3.xml><?xml version="1.0" encoding="utf-8"?>
-<p:sld xmlns:a="http://schemas.openxmlformats.org/drawingml/2006/main" xmlns:r="http://schemas.openxmlformats.org/officeDocument/2006/relationships" xmlns:p="http://schemas.openxmlformats.org/presentationml/2006/main">
-  <p:cSld>
-    <p:spTree>
-      <p:nvGrpSpPr>
-        <p:cNvPr id="1" name=""/>
-        <p:cNvGrpSpPr/>
-        <p:nvPr/>
-      </p:nvGrpSpPr>
-      <p:grpSpPr>
-        <a:xfrm>
-          <a:off x="0" y="0"/>
-          <a:ext cx="0" cy="0"/>
-          <a:chOff x="0" y="0"/>
-          <a:chExt cx="0" cy="0"/>
-        </a:xfrm>
-      </p:grpSpPr>
-      <p:sp>
-        <p:nvSpPr>
-          <p:cNvPr id="2" name="Title 1">
-            <a:extLst>
-              <a:ext uri="{FF2B5EF4-FFF2-40B4-BE49-F238E27FC236}">
-                <a16:creationId xmlns:a16="http://schemas.microsoft.com/office/drawing/2014/main" id="{EBD41ACF-2078-484B-A806-6DD10164D609}"/>
-              </a:ext>
-            </a:extLst>
-          </p:cNvPr>
-          <p:cNvSpPr>
-            <a:spLocks noGrp="1"/>
-          </p:cNvSpPr>
-          <p:nvPr>
-            <p:ph type="title"/>
-          </p:nvPr>
-        </p:nvSpPr>
-        <p:spPr/>
-        <p:txBody>
-          <a:bodyPr/>
-          <a:lstStyle/>
-          <a:p>
-            <a:r>
-              <a:rPr lang="en-US" b="1" i="1" dirty="0">
-                <a:solidFill>
-                  <a:srgbClr val="00B050"/>
-                </a:solidFill>
-              </a:rPr>
-              <a:t>Project Initiation document(PID) and PID Template(1/2)</a:t>
-            </a:r>
-            <a:endParaRPr lang="en-CM" b="1" i="1" dirty="0">
-              <a:solidFill>
-                <a:srgbClr val="00B050"/>
-              </a:solidFill>
-            </a:endParaRPr>
-          </a:p>
-        </p:txBody>
-      </p:sp>
-      <p:sp>
-        <p:nvSpPr>
-          <p:cNvPr id="3" name="Content Placeholder 2">
-            <a:extLst>
-              <a:ext uri="{FF2B5EF4-FFF2-40B4-BE49-F238E27FC236}">
-                <a16:creationId xmlns:a16="http://schemas.microsoft.com/office/drawing/2014/main" id="{79B669F2-8768-4B94-BE54-BD634AB35B96}"/>
-              </a:ext>
-            </a:extLst>
-          </p:cNvPr>
-          <p:cNvSpPr>
-            <a:spLocks noGrp="1"/>
-          </p:cNvSpPr>
-          <p:nvPr>
-            <p:ph idx="1"/>
-          </p:nvPr>
-        </p:nvSpPr>
-        <p:spPr/>
-        <p:txBody>
-          <a:bodyPr/>
-          <a:lstStyle/>
-          <a:p>
-            <a:r>
-              <a:rPr lang="en-GB" sz="2400" dirty="0">
-                <a:effectLst/>
-                <a:latin typeface="Calibri" panose="020F0502020204030204" pitchFamily="34" charset="0"/>
-                <a:ea typeface="Calibri" panose="020F0502020204030204" pitchFamily="34" charset="0"/>
-                <a:cs typeface="Times New Roman" panose="02020603050405020304" pitchFamily="18" charset="0"/>
-              </a:rPr>
-              <a:t>A project initiation document (PID) is a type of document that project managers create before they begin a project.</a:t>
-            </a:r>
-          </a:p>
-          <a:p>
-            <a:r>
-              <a:rPr lang="en-CM" sz="2400" dirty="0">
-                <a:solidFill>
-                  <a:srgbClr val="2A2B2C"/>
-                </a:solidFill>
-                <a:effectLst/>
-                <a:latin typeface="Calibri" panose="020F0502020204030204" pitchFamily="34" charset="0"/>
-                <a:ea typeface="Calibri" panose="020F0502020204030204" pitchFamily="34" charset="0"/>
-              </a:rPr>
-              <a:t>A </a:t>
-            </a:r>
-            <a:r>
-              <a:rPr lang="en-CM" sz="2400" dirty="0">
-                <a:effectLst/>
-                <a:latin typeface="Calibri" panose="020F0502020204030204" pitchFamily="34" charset="0"/>
-                <a:ea typeface="Calibri" panose="020F0502020204030204" pitchFamily="34" charset="0"/>
-              </a:rPr>
-              <a:t>project initiation document (PID) template is a reusable outline of a project initiation document.</a:t>
-            </a:r>
-            <a:r>
-              <a:rPr lang="en-CM" sz="1800" dirty="0">
-                <a:effectLst/>
-                <a:latin typeface="Calibri" panose="020F0502020204030204" pitchFamily="34" charset="0"/>
-                <a:ea typeface="Calibri" panose="020F0502020204030204" pitchFamily="34" charset="0"/>
-              </a:rPr>
-              <a:t> </a:t>
-            </a:r>
-            <a:endParaRPr lang="en-CM" dirty="0"/>
-          </a:p>
-        </p:txBody>
-      </p:sp>
-    </p:spTree>
-    <p:extLst>
-      <p:ext uri="{BB962C8B-B14F-4D97-AF65-F5344CB8AC3E}">
-        <p14:creationId xmlns:p14="http://schemas.microsoft.com/office/powerpoint/2010/main" val="671371463"/>
-      </p:ext>
-    </p:extLst>
-  </p:cSld>
-  <p:clrMapOvr>
-    <a:masterClrMapping/>
-  </p:clrMapOvr>
-</p:sld>
-</file>
-
-<file path=ppt/slides/slide4.xml><?xml version="1.0" encoding="utf-8"?>
-<p:sld xmlns:a="http://schemas.openxmlformats.org/drawingml/2006/main" xmlns:r="http://schemas.openxmlformats.org/officeDocument/2006/relationships" xmlns:p="http://schemas.openxmlformats.org/presentationml/2006/main">
-  <p:cSld>
-    <p:spTree>
-      <p:nvGrpSpPr>
-        <p:cNvPr id="1" name=""/>
-        <p:cNvGrpSpPr/>
-        <p:nvPr/>
-      </p:nvGrpSpPr>
-      <p:grpSpPr>
-        <a:xfrm>
-          <a:off x="0" y="0"/>
-          <a:ext cx="0" cy="0"/>
-          <a:chOff x="0" y="0"/>
-          <a:chExt cx="0" cy="0"/>
-        </a:xfrm>
-      </p:grpSpPr>
-      <p:sp>
-        <p:nvSpPr>
-          <p:cNvPr id="2" name="Title 1">
-            <a:extLst>
-              <a:ext uri="{FF2B5EF4-FFF2-40B4-BE49-F238E27FC236}">
-                <a16:creationId xmlns:a16="http://schemas.microsoft.com/office/drawing/2014/main" id="{9173B0CB-D842-43C2-9657-653097EEB967}"/>
-              </a:ext>
-            </a:extLst>
-          </p:cNvPr>
-          <p:cNvSpPr>
-            <a:spLocks noGrp="1"/>
-          </p:cNvSpPr>
-          <p:nvPr>
-            <p:ph type="title"/>
-          </p:nvPr>
-        </p:nvSpPr>
-        <p:spPr/>
-        <p:txBody>
-          <a:bodyPr/>
-          <a:lstStyle/>
-          <a:p>
-            <a:r>
-              <a:rPr lang="en-US" b="1" i="1" dirty="0">
-                <a:solidFill>
-                  <a:srgbClr val="00B050"/>
-                </a:solidFill>
-              </a:rPr>
-              <a:t>Project Initiation document(PID) and PID Template(2/2)</a:t>
-            </a:r>
-            <a:endParaRPr lang="en-CM" dirty="0"/>
-          </a:p>
-        </p:txBody>
-      </p:sp>
-      <p:sp>
-        <p:nvSpPr>
-          <p:cNvPr id="3" name="Content Placeholder 2">
-            <a:extLst>
-              <a:ext uri="{FF2B5EF4-FFF2-40B4-BE49-F238E27FC236}">
-                <a16:creationId xmlns:a16="http://schemas.microsoft.com/office/drawing/2014/main" id="{6F916FEC-9EB1-42DB-B600-E82F4CA303D3}"/>
-              </a:ext>
-            </a:extLst>
-          </p:cNvPr>
-          <p:cNvSpPr>
-            <a:spLocks noGrp="1"/>
-          </p:cNvSpPr>
-          <p:nvPr>
-            <p:ph sz="half" idx="1"/>
-          </p:nvPr>
-        </p:nvSpPr>
-        <p:spPr/>
-        <p:txBody>
-          <a:bodyPr>
-            <a:normAutofit/>
-          </a:bodyPr>
-          <a:lstStyle/>
-          <a:p>
-            <a:r>
-              <a:rPr lang="en-US" sz="2400" b="1" i="1" u="sng" dirty="0">
-                <a:solidFill>
-                  <a:srgbClr val="0D0E10"/>
-                </a:solidFill>
-                <a:effectLst/>
-                <a:latin typeface="Calibri" panose="020F0502020204030204" pitchFamily="34" charset="0"/>
-                <a:ea typeface="Times New Roman" panose="02020603050405020304" pitchFamily="18" charset="0"/>
-              </a:rPr>
-              <a:t>Why use the PID template</a:t>
-            </a:r>
-          </a:p>
-          <a:p>
-            <a:pPr lvl="1"/>
-            <a:r>
-              <a:rPr lang="en-CM" sz="2000" dirty="0">
-                <a:solidFill>
-                  <a:srgbClr val="0D0E10"/>
-                </a:solidFill>
-                <a:effectLst/>
-                <a:latin typeface="Calibri" panose="020F0502020204030204" pitchFamily="34" charset="0"/>
-                <a:ea typeface="Times New Roman" panose="02020603050405020304" pitchFamily="18" charset="0"/>
-              </a:rPr>
-              <a:t>Establishes consistency across all projects</a:t>
-            </a:r>
-            <a:r>
-              <a:rPr lang="en-US" sz="2000" dirty="0">
-                <a:solidFill>
-                  <a:srgbClr val="0D0E10"/>
-                </a:solidFill>
-                <a:effectLst/>
-                <a:latin typeface="Calibri" panose="020F0502020204030204" pitchFamily="34" charset="0"/>
-                <a:ea typeface="Times New Roman" panose="02020603050405020304" pitchFamily="18" charset="0"/>
-              </a:rPr>
-              <a:t>.</a:t>
-            </a:r>
-          </a:p>
-          <a:p>
-            <a:pPr lvl="1"/>
-            <a:r>
-              <a:rPr lang="en-CM" sz="2000" dirty="0">
-                <a:solidFill>
-                  <a:srgbClr val="0D0E10"/>
-                </a:solidFill>
-                <a:effectLst/>
-                <a:latin typeface="Calibri" panose="020F0502020204030204" pitchFamily="34" charset="0"/>
-                <a:ea typeface="Times New Roman" panose="02020603050405020304" pitchFamily="18" charset="0"/>
-              </a:rPr>
-              <a:t>Allows for customization for specific teams</a:t>
-            </a:r>
-            <a:r>
-              <a:rPr lang="en-US" sz="2000" dirty="0">
-                <a:solidFill>
-                  <a:srgbClr val="0D0E10"/>
-                </a:solidFill>
-                <a:latin typeface="Calibri" panose="020F0502020204030204" pitchFamily="34" charset="0"/>
-                <a:ea typeface="Times New Roman" panose="02020603050405020304" pitchFamily="18" charset="0"/>
-              </a:rPr>
-              <a:t>.</a:t>
-            </a:r>
-          </a:p>
-          <a:p>
-            <a:pPr lvl="1"/>
-            <a:r>
-              <a:rPr lang="en-CM" sz="2000" dirty="0">
-                <a:solidFill>
-                  <a:srgbClr val="0D0E10"/>
-                </a:solidFill>
-                <a:effectLst/>
-                <a:latin typeface="Calibri" panose="020F0502020204030204" pitchFamily="34" charset="0"/>
-                <a:ea typeface="Times New Roman" panose="02020603050405020304" pitchFamily="18" charset="0"/>
-              </a:rPr>
-              <a:t>Quickly provide context for stakeholders</a:t>
-            </a:r>
-            <a:endParaRPr lang="en-CM" sz="2000" dirty="0"/>
-          </a:p>
-        </p:txBody>
-      </p:sp>
-      <p:sp>
-        <p:nvSpPr>
-          <p:cNvPr id="4" name="Content Placeholder 3">
-            <a:extLst>
-              <a:ext uri="{FF2B5EF4-FFF2-40B4-BE49-F238E27FC236}">
-                <a16:creationId xmlns:a16="http://schemas.microsoft.com/office/drawing/2014/main" id="{29188EA4-0845-4D1A-B5CE-6E2D06852798}"/>
-              </a:ext>
-            </a:extLst>
-          </p:cNvPr>
-          <p:cNvSpPr>
-            <a:spLocks noGrp="1"/>
-          </p:cNvSpPr>
-          <p:nvPr>
-            <p:ph sz="half" idx="2"/>
-          </p:nvPr>
-        </p:nvSpPr>
-        <p:spPr/>
-        <p:txBody>
-          <a:bodyPr>
-            <a:normAutofit/>
-          </a:bodyPr>
-          <a:lstStyle/>
-          <a:p>
-            <a:r>
-              <a:rPr lang="en-CM" sz="2400" b="1" i="1" u="sng" spc="-25" dirty="0">
-                <a:solidFill>
-                  <a:srgbClr val="0D0E10"/>
-                </a:solidFill>
-                <a:effectLst/>
-                <a:latin typeface="Calibri" panose="020F0502020204030204" pitchFamily="34" charset="0"/>
-                <a:ea typeface="Calibri" panose="020F0502020204030204" pitchFamily="34" charset="0"/>
-              </a:rPr>
-              <a:t>What’s included in a project initiation document template?</a:t>
-            </a:r>
-            <a:endParaRPr lang="en-US" sz="2400" b="1" i="1" u="sng" spc="-25" dirty="0">
-              <a:solidFill>
-                <a:srgbClr val="0D0E10"/>
-              </a:solidFill>
-              <a:effectLst/>
-              <a:latin typeface="Calibri" panose="020F0502020204030204" pitchFamily="34" charset="0"/>
-              <a:ea typeface="Calibri" panose="020F0502020204030204" pitchFamily="34" charset="0"/>
-            </a:endParaRPr>
-          </a:p>
-          <a:p>
-            <a:pPr lvl="1">
-              <a:lnSpc>
-                <a:spcPct val="107000"/>
-              </a:lnSpc>
-              <a:spcAft>
-                <a:spcPts val="800"/>
-              </a:spcAft>
-            </a:pPr>
-            <a:r>
-              <a:rPr lang="en-CM" sz="1600" b="1" u="sng" dirty="0">
-                <a:solidFill>
-                  <a:srgbClr val="0D0E10"/>
-                </a:solidFill>
-                <a:effectLst/>
-                <a:latin typeface="Calibri" panose="020F0502020204030204" pitchFamily="34" charset="0"/>
-                <a:ea typeface="Times New Roman" panose="02020603050405020304" pitchFamily="18" charset="0"/>
-                <a:cs typeface="Calibri" panose="020F0502020204030204" pitchFamily="34" charset="0"/>
-                <a:hlinkClick r:id="rId2"/>
-              </a:rPr>
-              <a:t>Project goals or objective</a:t>
-            </a:r>
-            <a:endParaRPr lang="en-CM" sz="1600" dirty="0">
-              <a:effectLst/>
-              <a:latin typeface="Calibri" panose="020F0502020204030204" pitchFamily="34" charset="0"/>
-              <a:ea typeface="Calibri" panose="020F0502020204030204" pitchFamily="34" charset="0"/>
-              <a:cs typeface="Times New Roman" panose="02020603050405020304" pitchFamily="18" charset="0"/>
-            </a:endParaRPr>
-          </a:p>
-          <a:p>
-            <a:pPr lvl="1">
-              <a:lnSpc>
-                <a:spcPct val="107000"/>
-              </a:lnSpc>
-              <a:spcAft>
-                <a:spcPts val="800"/>
-              </a:spcAft>
-            </a:pPr>
-            <a:r>
-              <a:rPr lang="en-CM" sz="1600" b="1" u="sng" dirty="0">
-                <a:solidFill>
-                  <a:srgbClr val="0D0E10"/>
-                </a:solidFill>
-                <a:effectLst/>
-                <a:latin typeface="Calibri" panose="020F0502020204030204" pitchFamily="34" charset="0"/>
-                <a:ea typeface="Times New Roman" panose="02020603050405020304" pitchFamily="18" charset="0"/>
-                <a:cs typeface="Calibri" panose="020F0502020204030204" pitchFamily="34" charset="0"/>
-                <a:hlinkClick r:id="rId3"/>
-              </a:rPr>
-              <a:t>Success metrics</a:t>
-            </a:r>
-            <a:endParaRPr lang="en-CM" sz="1600" dirty="0">
-              <a:effectLst/>
-              <a:latin typeface="Calibri" panose="020F0502020204030204" pitchFamily="34" charset="0"/>
-              <a:ea typeface="Calibri" panose="020F0502020204030204" pitchFamily="34" charset="0"/>
-              <a:cs typeface="Times New Roman" panose="02020603050405020304" pitchFamily="18" charset="0"/>
-            </a:endParaRPr>
-          </a:p>
-          <a:p>
-            <a:pPr lvl="1">
-              <a:lnSpc>
-                <a:spcPct val="107000"/>
-              </a:lnSpc>
-              <a:spcAft>
-                <a:spcPts val="800"/>
-              </a:spcAft>
-            </a:pPr>
-            <a:r>
-              <a:rPr lang="en-CM" sz="1600" b="1" u="sng" dirty="0">
-                <a:solidFill>
-                  <a:srgbClr val="0D0E10"/>
-                </a:solidFill>
-                <a:effectLst/>
-                <a:latin typeface="Calibri" panose="020F0502020204030204" pitchFamily="34" charset="0"/>
-                <a:ea typeface="Times New Roman" panose="02020603050405020304" pitchFamily="18" charset="0"/>
-                <a:cs typeface="Calibri" panose="020F0502020204030204" pitchFamily="34" charset="0"/>
-                <a:hlinkClick r:id="rId4"/>
-              </a:rPr>
-              <a:t>Project scope</a:t>
-            </a:r>
-            <a:endParaRPr lang="en-CM" sz="1600" dirty="0">
-              <a:effectLst/>
-              <a:latin typeface="Calibri" panose="020F0502020204030204" pitchFamily="34" charset="0"/>
-              <a:ea typeface="Calibri" panose="020F0502020204030204" pitchFamily="34" charset="0"/>
-              <a:cs typeface="Times New Roman" panose="02020603050405020304" pitchFamily="18" charset="0"/>
-            </a:endParaRPr>
-          </a:p>
-          <a:p>
-            <a:pPr lvl="1">
-              <a:lnSpc>
-                <a:spcPct val="107000"/>
-              </a:lnSpc>
-              <a:spcAft>
-                <a:spcPts val="800"/>
-              </a:spcAft>
-            </a:pPr>
-            <a:r>
-              <a:rPr lang="en-CM" sz="1600" b="1" u="sng" dirty="0">
-                <a:solidFill>
-                  <a:srgbClr val="0D0E10"/>
-                </a:solidFill>
-                <a:effectLst/>
-                <a:latin typeface="Calibri" panose="020F0502020204030204" pitchFamily="34" charset="0"/>
-                <a:ea typeface="Times New Roman" panose="02020603050405020304" pitchFamily="18" charset="0"/>
-                <a:cs typeface="Calibri" panose="020F0502020204030204" pitchFamily="34" charset="0"/>
-                <a:hlinkClick r:id="rId5"/>
-              </a:rPr>
-              <a:t>Communication plan</a:t>
-            </a:r>
-            <a:endParaRPr lang="en-CM" sz="1600" dirty="0">
-              <a:effectLst/>
-              <a:latin typeface="Calibri" panose="020F0502020204030204" pitchFamily="34" charset="0"/>
-              <a:ea typeface="Calibri" panose="020F0502020204030204" pitchFamily="34" charset="0"/>
-              <a:cs typeface="Times New Roman" panose="02020603050405020304" pitchFamily="18" charset="0"/>
-            </a:endParaRPr>
-          </a:p>
-          <a:p>
-            <a:pPr lvl="1">
-              <a:lnSpc>
-                <a:spcPct val="107000"/>
-              </a:lnSpc>
-              <a:spcAft>
-                <a:spcPts val="800"/>
-              </a:spcAft>
-            </a:pPr>
-            <a:r>
-              <a:rPr lang="en-CM" sz="1600" b="1" u="sng" dirty="0">
-                <a:solidFill>
-                  <a:srgbClr val="0D0E10"/>
-                </a:solidFill>
-                <a:effectLst/>
-                <a:latin typeface="Calibri" panose="020F0502020204030204" pitchFamily="34" charset="0"/>
-                <a:ea typeface="Times New Roman" panose="02020603050405020304" pitchFamily="18" charset="0"/>
-                <a:cs typeface="Calibri" panose="020F0502020204030204" pitchFamily="34" charset="0"/>
-                <a:hlinkClick r:id="rId6"/>
-              </a:rPr>
-              <a:t>Resourcing strategy</a:t>
-            </a:r>
-            <a:endParaRPr lang="en-CM" sz="1600" dirty="0">
-              <a:effectLst/>
-              <a:latin typeface="Calibri" panose="020F0502020204030204" pitchFamily="34" charset="0"/>
-              <a:ea typeface="Calibri" panose="020F0502020204030204" pitchFamily="34" charset="0"/>
-              <a:cs typeface="Times New Roman" panose="02020603050405020304" pitchFamily="18" charset="0"/>
-            </a:endParaRPr>
-          </a:p>
-        </p:txBody>
-      </p:sp>
-    </p:spTree>
-    <p:extLst>
-      <p:ext uri="{BB962C8B-B14F-4D97-AF65-F5344CB8AC3E}">
-        <p14:creationId xmlns:p14="http://schemas.microsoft.com/office/powerpoint/2010/main" val="3225301367"/>
-      </p:ext>
-    </p:extLst>
-  </p:cSld>
-  <p:clrMapOvr>
-    <a:masterClrMapping/>
-  </p:clrMapOvr>
-</p:sld>
-</file>
-
-<file path=ppt/slides/slide5.xml><?xml version="1.0" encoding="utf-8"?>
-<p:sld xmlns:a="http://schemas.openxmlformats.org/drawingml/2006/main" xmlns:r="http://schemas.openxmlformats.org/officeDocument/2006/relationships" xmlns:p="http://schemas.openxmlformats.org/presentationml/2006/main">
-  <p:cSld>
-    <p:spTree>
-      <p:nvGrpSpPr>
-        <p:cNvPr id="1" name=""/>
-        <p:cNvGrpSpPr/>
-        <p:nvPr/>
-      </p:nvGrpSpPr>
-      <p:grpSpPr>
-        <a:xfrm>
-          <a:off x="0" y="0"/>
-          <a:ext cx="0" cy="0"/>
-          <a:chOff x="0" y="0"/>
-          <a:chExt cx="0" cy="0"/>
-        </a:xfrm>
-      </p:grpSpPr>
-      <p:pic>
-        <p:nvPicPr>
-          <p:cNvPr id="3" name="Picture 2">
-            <a:extLst>
-              <a:ext uri="{FF2B5EF4-FFF2-40B4-BE49-F238E27FC236}">
-                <a16:creationId xmlns:a16="http://schemas.microsoft.com/office/drawing/2014/main" id="{052CD305-7EEF-4C4B-BD6E-2378C8569A62}"/>
-              </a:ext>
-            </a:extLst>
-          </p:cNvPr>
-          <p:cNvPicPr>
-            <a:picLocks noChangeAspect="1"/>
-          </p:cNvPicPr>
-          <p:nvPr/>
-        </p:nvPicPr>
-        <p:blipFill>
-          <a:blip r:embed="rId2">
-            <a:extLst>
-              <a:ext uri="{28A0092B-C50C-407E-A947-70E740481C1C}">
-                <a14:useLocalDpi xmlns:a14="http://schemas.microsoft.com/office/drawing/2010/main" val="0"/>
-              </a:ext>
-            </a:extLst>
-          </a:blip>
-          <a:stretch>
-            <a:fillRect/>
-          </a:stretch>
-        </p:blipFill>
-        <p:spPr>
-          <a:xfrm>
-            <a:off x="84084" y="147144"/>
-            <a:ext cx="12107916" cy="5917325"/>
+            <a:off x="558770" y="341257"/>
+            <a:ext cx="9603275" cy="1049235"/>
           </a:xfrm>
           <a:prstGeom prst="rect">
             <a:avLst/>
           </a:prstGeom>
         </p:spPr>
-      </p:pic>
-    </p:spTree>
-    <p:extLst>
-      <p:ext uri="{BB962C8B-B14F-4D97-AF65-F5344CB8AC3E}">
-        <p14:creationId xmlns:p14="http://schemas.microsoft.com/office/powerpoint/2010/main" val="2462851641"/>
-      </p:ext>
-    </p:extLst>
-  </p:cSld>
-  <p:clrMapOvr>
-    <a:masterClrMapping/>
-  </p:clrMapOvr>
-</p:sld>
-</file>
-
-<file path=ppt/slides/slide6.xml><?xml version="1.0" encoding="utf-8"?>
-<p:sld xmlns:a="http://schemas.openxmlformats.org/drawingml/2006/main" xmlns:r="http://schemas.openxmlformats.org/officeDocument/2006/relationships" xmlns:p="http://schemas.openxmlformats.org/presentationml/2006/main">
-  <p:cSld>
-    <p:spTree>
-      <p:nvGrpSpPr>
-        <p:cNvPr id="1" name=""/>
-        <p:cNvGrpSpPr/>
-        <p:nvPr/>
-      </p:nvGrpSpPr>
-      <p:grpSpPr>
-        <a:xfrm>
-          <a:off x="0" y="0"/>
-          <a:ext cx="0" cy="0"/>
-          <a:chOff x="0" y="0"/>
-          <a:chExt cx="0" cy="0"/>
-        </a:xfrm>
-      </p:grpSpPr>
-      <p:sp>
-        <p:nvSpPr>
-          <p:cNvPr id="2" name="Title 1">
+        <p:txBody>
+          <a:bodyPr/>
+          <a:lstStyle>
+            <a:lvl1pPr algn="l" defTabSz="914400" rtl="0" eaLnBrk="1" latinLnBrk="0" hangingPunct="1">
+              <a:lnSpc>
+                <a:spcPct val="90000"/>
+              </a:lnSpc>
+              <a:spcBef>
+                <a:spcPct val="0"/>
+              </a:spcBef>
+              <a:buNone/>
+              <a:defRPr sz="3200" b="0" i="0" kern="1200" cap="none">
+                <a:solidFill>
+                  <a:schemeClr val="tx1"/>
+                </a:solidFill>
+                <a:effectLst/>
+                <a:latin typeface="+mj-lt"/>
+                <a:ea typeface="+mj-ea"/>
+                <a:cs typeface="+mj-cs"/>
+              </a:defRPr>
+            </a:lvl1pPr>
+          </a:lstStyle>
+          <a:p>
+            <a:r>
+              <a:rPr lang="en-US" b="1" dirty="0"/>
+              <a:t>Requirement gathering process</a:t>
+            </a:r>
+            <a:endParaRPr lang="en-CM" b="1" dirty="0"/>
+          </a:p>
+        </p:txBody>
+      </p:sp>
+      <p:sp>
+        <p:nvSpPr>
+          <p:cNvPr id="4" name="Content Placeholder 2">
             <a:extLst>
               <a:ext uri="{FF2B5EF4-FFF2-40B4-BE49-F238E27FC236}">
-                <a16:creationId xmlns:a16="http://schemas.microsoft.com/office/drawing/2014/main" id="{F36ECBB9-4A6D-4C67-B771-67BDFA8437DF}"/>
-              </a:ext>
-            </a:extLst>
-          </p:cNvPr>
-          <p:cNvSpPr>
-            <a:spLocks noGrp="1"/>
-          </p:cNvSpPr>
-          <p:nvPr>
-            <p:ph type="title"/>
-          </p:nvPr>
-        </p:nvSpPr>
-        <p:spPr/>
-        <p:txBody>
-          <a:bodyPr/>
-          <a:lstStyle/>
-          <a:p>
-            <a:r>
-              <a:rPr lang="en-US" b="1" dirty="0"/>
-              <a:t>Requirement gathering (1/5)</a:t>
-            </a:r>
-            <a:endParaRPr lang="en-CM" b="1" dirty="0"/>
-          </a:p>
-        </p:txBody>
-      </p:sp>
-      <p:sp>
-        <p:nvSpPr>
-          <p:cNvPr id="3" name="Content Placeholder 2">
-            <a:extLst>
-              <a:ext uri="{FF2B5EF4-FFF2-40B4-BE49-F238E27FC236}">
-                <a16:creationId xmlns:a16="http://schemas.microsoft.com/office/drawing/2014/main" id="{36B036B4-8A2D-4836-BF78-E8F08F883528}"/>
-              </a:ext>
-            </a:extLst>
-          </p:cNvPr>
-          <p:cNvSpPr>
-            <a:spLocks noGrp="1"/>
-          </p:cNvSpPr>
-          <p:nvPr>
-            <p:ph idx="1"/>
-          </p:nvPr>
-        </p:nvSpPr>
-        <p:spPr/>
-        <p:txBody>
-          <a:bodyPr>
-            <a:normAutofit/>
-          </a:bodyPr>
-          <a:lstStyle/>
-          <a:p>
-            <a:r>
-              <a:rPr lang="en-US" sz="2800" b="1" dirty="0">
-                <a:solidFill>
-                  <a:srgbClr val="00B050"/>
-                </a:solidFill>
-              </a:rPr>
-              <a:t>Identify stakeholders</a:t>
-            </a:r>
-          </a:p>
-          <a:p>
-            <a:pPr lvl="1"/>
-            <a:r>
-              <a:rPr lang="en-US" sz="2400" i="1" dirty="0"/>
-              <a:t>Administration</a:t>
-            </a:r>
-          </a:p>
-          <a:p>
-            <a:pPr lvl="1"/>
-            <a:r>
-              <a:rPr lang="en-US" sz="2400" i="1" dirty="0"/>
-              <a:t>Teachers</a:t>
-            </a:r>
-          </a:p>
-          <a:p>
-            <a:pPr lvl="1"/>
-            <a:r>
-              <a:rPr lang="en-US" sz="2400" i="1" dirty="0"/>
-              <a:t>Students</a:t>
-            </a:r>
-          </a:p>
-          <a:p>
-            <a:pPr lvl="1"/>
-            <a:r>
-              <a:rPr lang="en-US" sz="2400" i="1" dirty="0"/>
-              <a:t>IT Department</a:t>
-            </a:r>
-          </a:p>
-        </p:txBody>
-      </p:sp>
-    </p:spTree>
-    <p:extLst>
-      <p:ext uri="{BB962C8B-B14F-4D97-AF65-F5344CB8AC3E}">
-        <p14:creationId xmlns:p14="http://schemas.microsoft.com/office/powerpoint/2010/main" val="1113586870"/>
-      </p:ext>
-    </p:extLst>
-  </p:cSld>
-  <p:clrMapOvr>
-    <a:masterClrMapping/>
-  </p:clrMapOvr>
-</p:sld>
-</file>
-
-<file path=ppt/slides/slide7.xml><?xml version="1.0" encoding="utf-8"?>
-<p:sld xmlns:a="http://schemas.openxmlformats.org/drawingml/2006/main" xmlns:r="http://schemas.openxmlformats.org/officeDocument/2006/relationships" xmlns:p="http://schemas.openxmlformats.org/presentationml/2006/main">
-  <p:cSld>
-    <p:spTree>
-      <p:nvGrpSpPr>
-        <p:cNvPr id="1" name=""/>
-        <p:cNvGrpSpPr/>
-        <p:nvPr/>
-      </p:nvGrpSpPr>
-      <p:grpSpPr>
-        <a:xfrm>
-          <a:off x="0" y="0"/>
-          <a:ext cx="0" cy="0"/>
-          <a:chOff x="0" y="0"/>
-          <a:chExt cx="0" cy="0"/>
-        </a:xfrm>
-      </p:grpSpPr>
-      <p:sp>
-        <p:nvSpPr>
-          <p:cNvPr id="2" name="Title 1">
-            <a:extLst>
-              <a:ext uri="{FF2B5EF4-FFF2-40B4-BE49-F238E27FC236}">
-                <a16:creationId xmlns:a16="http://schemas.microsoft.com/office/drawing/2014/main" id="{CD887F2B-2AF6-48F0-B6CA-203EBD2248C1}"/>
-              </a:ext>
-            </a:extLst>
-          </p:cNvPr>
-          <p:cNvSpPr>
-            <a:spLocks noGrp="1"/>
-          </p:cNvSpPr>
-          <p:nvPr>
-            <p:ph type="title"/>
-          </p:nvPr>
-        </p:nvSpPr>
-        <p:spPr/>
-        <p:txBody>
-          <a:bodyPr/>
-          <a:lstStyle/>
-          <a:p>
-            <a:r>
-              <a:rPr lang="en-US" b="1" dirty="0"/>
-              <a:t>Requirement gathering(2/5)</a:t>
-            </a:r>
-            <a:endParaRPr lang="en-CM" b="1" dirty="0"/>
-          </a:p>
-        </p:txBody>
-      </p:sp>
-      <p:sp>
-        <p:nvSpPr>
-          <p:cNvPr id="3" name="Content Placeholder 2">
-            <a:extLst>
-              <a:ext uri="{FF2B5EF4-FFF2-40B4-BE49-F238E27FC236}">
-                <a16:creationId xmlns:a16="http://schemas.microsoft.com/office/drawing/2014/main" id="{F703C0D4-D6F2-48A9-9A0C-960591C53EFA}"/>
-              </a:ext>
-            </a:extLst>
-          </p:cNvPr>
-          <p:cNvSpPr>
-            <a:spLocks noGrp="1"/>
-          </p:cNvSpPr>
-          <p:nvPr>
-            <p:ph idx="1"/>
-          </p:nvPr>
-        </p:nvSpPr>
-        <p:spPr>
-          <a:xfrm>
-            <a:off x="1130271" y="2171769"/>
-            <a:ext cx="4755522" cy="2608826"/>
-          </a:xfrm>
-        </p:spPr>
-        <p:txBody>
-          <a:bodyPr>
-            <a:normAutofit/>
-          </a:bodyPr>
-          <a:lstStyle/>
-          <a:p>
-            <a:r>
-              <a:rPr lang="en-US" b="1" dirty="0"/>
-              <a:t>Shadow</a:t>
-            </a:r>
-            <a:r>
-              <a:rPr lang="en-US" dirty="0"/>
-              <a:t>: </a:t>
-            </a:r>
-          </a:p>
-          <a:p>
-            <a:pPr lvl="1"/>
-            <a:r>
-              <a:rPr lang="en-US" sz="2000" i="1" dirty="0"/>
-              <a:t>Counting heads</a:t>
-            </a:r>
-          </a:p>
-          <a:p>
-            <a:pPr lvl="1"/>
-            <a:r>
-              <a:rPr lang="en-US" sz="2000" i="1" dirty="0"/>
-              <a:t>Calling out names</a:t>
-            </a:r>
-          </a:p>
-          <a:p>
-            <a:pPr lvl="1"/>
-            <a:r>
-              <a:rPr lang="en-US" sz="2000" i="1" dirty="0"/>
-              <a:t>Writing names</a:t>
-            </a:r>
-          </a:p>
-          <a:p>
-            <a:pPr lvl="1"/>
-            <a:r>
-              <a:rPr lang="en-US" sz="2000" i="1" dirty="0"/>
-              <a:t>Printed Attendance sheets</a:t>
-            </a:r>
-          </a:p>
-        </p:txBody>
-      </p:sp>
-      <p:sp>
-        <p:nvSpPr>
-          <p:cNvPr id="6" name="TextBox 5">
-            <a:extLst>
-              <a:ext uri="{FF2B5EF4-FFF2-40B4-BE49-F238E27FC236}">
-                <a16:creationId xmlns:a16="http://schemas.microsoft.com/office/drawing/2014/main" id="{B627C7B3-0424-4D21-A813-BFFBF02D44CC}"/>
-              </a:ext>
-            </a:extLst>
-          </p:cNvPr>
-          <p:cNvSpPr txBox="1"/>
-          <p:nvPr/>
-        </p:nvSpPr>
-        <p:spPr>
-          <a:xfrm>
-            <a:off x="1458455" y="1554186"/>
-            <a:ext cx="6101254" cy="523220"/>
-          </a:xfrm>
-          <a:prstGeom prst="rect">
-            <a:avLst/>
-          </a:prstGeom>
-          <a:noFill/>
-        </p:spPr>
-        <p:txBody>
-          <a:bodyPr wrap="square">
-            <a:spAutoFit/>
-          </a:bodyPr>
-          <a:lstStyle/>
-          <a:p>
-            <a:pPr marL="285750" indent="-285750">
-              <a:buFont typeface="Arial" panose="020B0604020202020204" pitchFamily="34" charset="0"/>
-              <a:buChar char="•"/>
-            </a:pPr>
-            <a:r>
-              <a:rPr lang="en-US" sz="2800" b="1" dirty="0">
-                <a:solidFill>
-                  <a:srgbClr val="00B050"/>
-                </a:solidFill>
-              </a:rPr>
-              <a:t>Gathering Process</a:t>
-            </a:r>
-          </a:p>
-        </p:txBody>
-      </p:sp>
-      <p:sp>
-        <p:nvSpPr>
-          <p:cNvPr id="7" name="Content Placeholder 2">
-            <a:extLst>
-              <a:ext uri="{FF2B5EF4-FFF2-40B4-BE49-F238E27FC236}">
-                <a16:creationId xmlns:a16="http://schemas.microsoft.com/office/drawing/2014/main" id="{7F35DED6-9E2A-4EFC-BBAC-41918197A263}"/>
+                <a16:creationId xmlns:a16="http://schemas.microsoft.com/office/drawing/2014/main" id="{54342F2D-931D-31BF-39B8-E8D80E3251A8}"/>
               </a:ext>
             </a:extLst>
           </p:cNvPr>
@@ -5231,17 +5146,15 @@
         </p:nvSpPr>
         <p:spPr>
           <a:xfrm>
-            <a:off x="6480036" y="2171769"/>
-            <a:ext cx="5249508" cy="2820645"/>
+            <a:off x="787370" y="1390492"/>
+            <a:ext cx="9603275" cy="3294576"/>
           </a:xfrm>
           <a:prstGeom prst="rect">
             <a:avLst/>
           </a:prstGeom>
         </p:spPr>
         <p:txBody>
-          <a:bodyPr vert="horz" lIns="91440" tIns="45720" rIns="91440" bIns="45720" rtlCol="0" anchor="t">
-            <a:normAutofit/>
-          </a:bodyPr>
+          <a:bodyPr/>
           <a:lstStyle>
             <a:lvl1pPr marL="228600" indent="-228600" algn="l" defTabSz="914400" rtl="0" eaLnBrk="1" latinLnBrk="0" hangingPunct="1">
               <a:lnSpc>
@@ -5452,50 +5365,1536 @@
             </a:lvl9pPr>
           </a:lstStyle>
           <a:p>
+            <a:pPr marL="0" indent="0">
+              <a:buFont typeface="Arial" panose="020B0604020202020204" pitchFamily="34" charset="0"/>
+              <a:buNone/>
+            </a:pPr>
+            <a:r>
+              <a:rPr lang="en-US" sz="2800" b="1" dirty="0"/>
+              <a:t>We were able to come up with requirements such as:</a:t>
+            </a:r>
+          </a:p>
+          <a:p>
+            <a:pPr marL="0" indent="0">
+              <a:buFont typeface="Arial" panose="020B0604020202020204" pitchFamily="34" charset="0"/>
+              <a:buNone/>
+            </a:pPr>
+            <a:r>
+              <a:rPr lang="en-US" sz="2800" b="1" dirty="0"/>
+              <a:t>	Accompanying instructors</a:t>
+            </a:r>
+          </a:p>
+          <a:p>
+            <a:pPr marL="0" indent="0">
+              <a:buFont typeface="Arial" panose="020B0604020202020204" pitchFamily="34" charset="0"/>
+              <a:buNone/>
+            </a:pPr>
+            <a:r>
+              <a:rPr lang="en-US" sz="2800" b="1" dirty="0"/>
+              <a:t>	Following students</a:t>
+            </a:r>
+            <a:endParaRPr lang="en-US" dirty="0"/>
+          </a:p>
+          <a:p>
+            <a:pPr marL="0" indent="0">
+              <a:buFont typeface="Arial" panose="020B0604020202020204" pitchFamily="34" charset="0"/>
+              <a:buNone/>
+            </a:pPr>
+            <a:endParaRPr lang="en-CM" dirty="0"/>
+          </a:p>
+        </p:txBody>
+      </p:sp>
+    </p:spTree>
+    <p:extLst>
+      <p:ext uri="{BB962C8B-B14F-4D97-AF65-F5344CB8AC3E}">
+        <p14:creationId xmlns:p14="http://schemas.microsoft.com/office/powerpoint/2010/main" val="1509712145"/>
+      </p:ext>
+    </p:extLst>
+  </p:cSld>
+  <p:clrMapOvr>
+    <a:masterClrMapping/>
+  </p:clrMapOvr>
+</p:sld>
+</file>
+
+<file path=ppt/slides/slide19.xml><?xml version="1.0" encoding="utf-8"?>
+<p:sld xmlns:a="http://schemas.openxmlformats.org/drawingml/2006/main" xmlns:r="http://schemas.openxmlformats.org/officeDocument/2006/relationships" xmlns:p="http://schemas.openxmlformats.org/presentationml/2006/main">
+  <p:cSld>
+    <p:spTree>
+      <p:nvGrpSpPr>
+        <p:cNvPr id="1" name=""/>
+        <p:cNvGrpSpPr/>
+        <p:nvPr/>
+      </p:nvGrpSpPr>
+      <p:grpSpPr>
+        <a:xfrm>
+          <a:off x="0" y="0"/>
+          <a:ext cx="0" cy="0"/>
+          <a:chOff x="0" y="0"/>
+          <a:chExt cx="0" cy="0"/>
+        </a:xfrm>
+      </p:grpSpPr>
+      <p:sp>
+        <p:nvSpPr>
+          <p:cNvPr id="2" name="Title 1">
+            <a:extLst>
+              <a:ext uri="{FF2B5EF4-FFF2-40B4-BE49-F238E27FC236}">
+                <a16:creationId xmlns:a16="http://schemas.microsoft.com/office/drawing/2014/main" id="{992B07CF-0F42-49C1-B1EF-77A97EC4A94F}"/>
+              </a:ext>
+            </a:extLst>
+          </p:cNvPr>
+          <p:cNvSpPr>
+            <a:spLocks noGrp="1"/>
+          </p:cNvSpPr>
+          <p:nvPr>
+            <p:ph type="title"/>
+          </p:nvPr>
+        </p:nvSpPr>
+        <p:spPr>
+          <a:xfrm>
+            <a:off x="1130270" y="867037"/>
+            <a:ext cx="9603275" cy="1049235"/>
+          </a:xfrm>
+        </p:spPr>
+        <p:txBody>
+          <a:bodyPr/>
+          <a:lstStyle/>
+          <a:p>
             <a:r>
               <a:rPr lang="en-US" b="1" dirty="0"/>
-              <a:t>Workshop</a:t>
-            </a:r>
+              <a:t>Requirement gathering process(3/5)</a:t>
+            </a:r>
+            <a:endParaRPr lang="en-CM" b="1" dirty="0"/>
+          </a:p>
+        </p:txBody>
+      </p:sp>
+      <p:sp>
+        <p:nvSpPr>
+          <p:cNvPr id="3" name="Content Placeholder 2">
+            <a:extLst>
+              <a:ext uri="{FF2B5EF4-FFF2-40B4-BE49-F238E27FC236}">
+                <a16:creationId xmlns:a16="http://schemas.microsoft.com/office/drawing/2014/main" id="{EE115419-81E7-4491-86FD-E97EA5C70544}"/>
+              </a:ext>
+            </a:extLst>
+          </p:cNvPr>
+          <p:cNvSpPr>
+            <a:spLocks noGrp="1"/>
+          </p:cNvSpPr>
+          <p:nvPr>
+            <p:ph idx="1"/>
+          </p:nvPr>
+        </p:nvSpPr>
+        <p:spPr/>
+        <p:txBody>
+          <a:bodyPr>
+            <a:normAutofit fontScale="85000" lnSpcReduction="20000"/>
+          </a:bodyPr>
+          <a:lstStyle/>
+          <a:p>
+            <a:pPr marL="285750" indent="-285750">
+              <a:buFont typeface="Arial" panose="020B0604020202020204" pitchFamily="34" charset="0"/>
+              <a:buChar char="•"/>
+            </a:pPr>
+            <a:r>
+              <a:rPr lang="en-US" sz="2800" b="1" dirty="0">
+                <a:solidFill>
+                  <a:srgbClr val="00B050"/>
+                </a:solidFill>
+              </a:rPr>
+              <a:t>Gathering Techniques(6/6)</a:t>
+            </a:r>
+          </a:p>
+          <a:p>
+            <a:pPr marL="0" indent="0">
+              <a:buNone/>
+            </a:pPr>
+            <a:r>
+              <a:rPr lang="en-US" sz="2800" b="1" dirty="0">
+                <a:solidFill>
+                  <a:schemeClr val="accent5">
+                    <a:lumMod val="60000"/>
+                    <a:lumOff val="40000"/>
+                  </a:schemeClr>
+                </a:solidFill>
+              </a:rPr>
+              <a:t>Competitive Analysis</a:t>
+            </a:r>
+            <a:r>
+              <a:rPr lang="en-US" sz="2400" dirty="0"/>
+              <a:t> we conducted benchmarking and competitive analysis to gather insights from existing solutions in the market.</a:t>
+            </a:r>
+          </a:p>
+          <a:p>
+            <a:pPr marL="0" indent="0">
+              <a:buNone/>
+            </a:pPr>
+            <a:r>
+              <a:rPr lang="en-US" sz="2400" dirty="0"/>
+              <a:t>Some existing solutions in the market are:</a:t>
+            </a:r>
+          </a:p>
+          <a:p>
+            <a:pPr marL="0" indent="0">
+              <a:buNone/>
+            </a:pPr>
+            <a:r>
+              <a:rPr lang="en-US" sz="2400" dirty="0"/>
+              <a:t>	Deputy</a:t>
+            </a:r>
+          </a:p>
+          <a:p>
+            <a:pPr marL="0" indent="0">
+              <a:buNone/>
+            </a:pPr>
+            <a:r>
+              <a:rPr lang="en-US" sz="2400" dirty="0"/>
+              <a:t>	N-check</a:t>
+            </a:r>
+          </a:p>
+          <a:p>
+            <a:pPr marL="0" indent="0">
+              <a:buNone/>
+            </a:pPr>
+            <a:r>
+              <a:rPr lang="en-US" sz="2400" dirty="0"/>
+              <a:t>	Master Soft</a:t>
+            </a:r>
+          </a:p>
+          <a:p>
+            <a:pPr marL="0" indent="0">
+              <a:buNone/>
+            </a:pPr>
+            <a:r>
+              <a:rPr lang="en-US" sz="2400" dirty="0"/>
+              <a:t>	</a:t>
+            </a:r>
+            <a:r>
+              <a:rPr lang="en-US" sz="2400" dirty="0" err="1"/>
+              <a:t>jibble</a:t>
+            </a:r>
+            <a:endParaRPr lang="en-US" dirty="0"/>
+          </a:p>
+          <a:p>
+            <a:pPr marL="0" indent="0">
+              <a:buNone/>
+            </a:pPr>
+            <a:endParaRPr lang="en-US" dirty="0"/>
+          </a:p>
+          <a:p>
+            <a:pPr marL="0" indent="0">
+              <a:buNone/>
+            </a:pPr>
+            <a:endParaRPr lang="en-CM" dirty="0"/>
+          </a:p>
+        </p:txBody>
+      </p:sp>
+    </p:spTree>
+    <p:extLst>
+      <p:ext uri="{BB962C8B-B14F-4D97-AF65-F5344CB8AC3E}">
+        <p14:creationId xmlns:p14="http://schemas.microsoft.com/office/powerpoint/2010/main" val="1542928851"/>
+      </p:ext>
+    </p:extLst>
+  </p:cSld>
+  <p:clrMapOvr>
+    <a:masterClrMapping/>
+  </p:clrMapOvr>
+</p:sld>
+</file>
+
+<file path=ppt/slides/slide2.xml><?xml version="1.0" encoding="utf-8"?>
+<p:sld xmlns:a="http://schemas.openxmlformats.org/drawingml/2006/main" xmlns:r="http://schemas.openxmlformats.org/officeDocument/2006/relationships" xmlns:p="http://schemas.openxmlformats.org/presentationml/2006/main">
+  <p:cSld>
+    <p:spTree>
+      <p:nvGrpSpPr>
+        <p:cNvPr id="1" name=""/>
+        <p:cNvGrpSpPr/>
+        <p:nvPr/>
+      </p:nvGrpSpPr>
+      <p:grpSpPr>
+        <a:xfrm>
+          <a:off x="0" y="0"/>
+          <a:ext cx="0" cy="0"/>
+          <a:chOff x="0" y="0"/>
+          <a:chExt cx="0" cy="0"/>
+        </a:xfrm>
+      </p:grpSpPr>
+      <p:sp>
+        <p:nvSpPr>
+          <p:cNvPr id="2" name="Title 1">
+            <a:extLst>
+              <a:ext uri="{FF2B5EF4-FFF2-40B4-BE49-F238E27FC236}">
+                <a16:creationId xmlns:a16="http://schemas.microsoft.com/office/drawing/2014/main" id="{CE8977A4-3DBB-4AC3-BF2C-E4A12959C6A4}"/>
+              </a:ext>
+            </a:extLst>
+          </p:cNvPr>
+          <p:cNvSpPr>
+            <a:spLocks noGrp="1"/>
+          </p:cNvSpPr>
+          <p:nvPr>
+            <p:ph type="title"/>
+          </p:nvPr>
+        </p:nvSpPr>
+        <p:spPr/>
+        <p:txBody>
+          <a:bodyPr/>
+          <a:lstStyle/>
+          <a:p>
             <a:r>
               <a:rPr lang="en-US" dirty="0"/>
-              <a:t>:</a:t>
+              <a:t>What is requirement gathering</a:t>
+            </a:r>
+            <a:endParaRPr lang="en-CM" dirty="0"/>
+          </a:p>
+        </p:txBody>
+      </p:sp>
+      <p:sp>
+        <p:nvSpPr>
+          <p:cNvPr id="3" name="Content Placeholder 2">
+            <a:extLst>
+              <a:ext uri="{FF2B5EF4-FFF2-40B4-BE49-F238E27FC236}">
+                <a16:creationId xmlns:a16="http://schemas.microsoft.com/office/drawing/2014/main" id="{1B3F3A35-6EEE-491C-B96E-642A0A6BEED1}"/>
+              </a:ext>
+            </a:extLst>
+          </p:cNvPr>
+          <p:cNvSpPr>
+            <a:spLocks noGrp="1"/>
+          </p:cNvSpPr>
+          <p:nvPr>
+            <p:ph idx="1"/>
+          </p:nvPr>
+        </p:nvSpPr>
+        <p:spPr/>
+        <p:txBody>
+          <a:bodyPr/>
+          <a:lstStyle/>
+          <a:p>
+            <a:r>
+              <a:rPr lang="en-GB" sz="2400" dirty="0">
+                <a:effectLst/>
+                <a:latin typeface="Calibri" panose="020F0502020204030204" pitchFamily="34" charset="0"/>
+                <a:ea typeface="Calibri" panose="020F0502020204030204" pitchFamily="34" charset="0"/>
+                <a:cs typeface="Times New Roman" panose="02020603050405020304" pitchFamily="18" charset="0"/>
+              </a:rPr>
+              <a:t>Requirement gathering is the process of identifying your project’s exact requirements from start to finish.</a:t>
             </a:r>
           </a:p>
           <a:p>
             <a:pPr lvl="1"/>
             <a:r>
-              <a:rPr lang="en-US" sz="2000" i="1" dirty="0"/>
-              <a:t>Enrollment module.</a:t>
+              <a:rPr lang="en-US" dirty="0"/>
+              <a:t>How long will our project schedule be?</a:t>
             </a:r>
           </a:p>
           <a:p>
             <a:pPr lvl="1"/>
             <a:r>
-              <a:rPr lang="en-US" sz="2000" i="1" dirty="0"/>
-              <a:t>Attendance recording module</a:t>
+              <a:rPr lang="en-US" dirty="0"/>
+              <a:t>Who will be involved in the project?</a:t>
             </a:r>
           </a:p>
           <a:p>
             <a:pPr lvl="1"/>
             <a:r>
-              <a:rPr lang="en-US" sz="2000" i="1" dirty="0"/>
-              <a:t>Reporting and monitoring module</a:t>
+              <a:rPr lang="en-US" dirty="0"/>
+              <a:t>What risks may we face in this project?</a:t>
             </a:r>
           </a:p>
           <a:p>
             <a:pPr lvl="1"/>
             <a:r>
-              <a:rPr lang="en-US" sz="2000" i="1" dirty="0"/>
-              <a:t>Performance</a:t>
+              <a:rPr lang="en-US" dirty="0"/>
+              <a:t>Studying the current system</a:t>
+            </a:r>
+          </a:p>
+        </p:txBody>
+      </p:sp>
+    </p:spTree>
+    <p:extLst>
+      <p:ext uri="{BB962C8B-B14F-4D97-AF65-F5344CB8AC3E}">
+        <p14:creationId xmlns:p14="http://schemas.microsoft.com/office/powerpoint/2010/main" val="2442050691"/>
+      </p:ext>
+    </p:extLst>
+  </p:cSld>
+  <p:clrMapOvr>
+    <a:masterClrMapping/>
+  </p:clrMapOvr>
+</p:sld>
+</file>
+
+<file path=ppt/slides/slide20.xml><?xml version="1.0" encoding="utf-8"?>
+<p:sld xmlns:a="http://schemas.openxmlformats.org/drawingml/2006/main" xmlns:r="http://schemas.openxmlformats.org/officeDocument/2006/relationships" xmlns:p="http://schemas.openxmlformats.org/presentationml/2006/main">
+  <p:cSld>
+    <p:spTree>
+      <p:nvGrpSpPr>
+        <p:cNvPr id="1" name=""/>
+        <p:cNvGrpSpPr/>
+        <p:nvPr/>
+      </p:nvGrpSpPr>
+      <p:grpSpPr>
+        <a:xfrm>
+          <a:off x="0" y="0"/>
+          <a:ext cx="0" cy="0"/>
+          <a:chOff x="0" y="0"/>
+          <a:chExt cx="0" cy="0"/>
+        </a:xfrm>
+      </p:grpSpPr>
+      <p:sp>
+        <p:nvSpPr>
+          <p:cNvPr id="3" name="Content Placeholder 2">
+            <a:extLst>
+              <a:ext uri="{FF2B5EF4-FFF2-40B4-BE49-F238E27FC236}">
+                <a16:creationId xmlns:a16="http://schemas.microsoft.com/office/drawing/2014/main" id="{64A70768-7919-4836-BBE2-80B79646D329}"/>
+              </a:ext>
+            </a:extLst>
+          </p:cNvPr>
+          <p:cNvSpPr>
+            <a:spLocks noGrp="1"/>
+          </p:cNvSpPr>
+          <p:nvPr>
+            <p:ph idx="1"/>
+          </p:nvPr>
+        </p:nvSpPr>
+        <p:spPr>
+          <a:xfrm>
+            <a:off x="909553" y="1916272"/>
+            <a:ext cx="9603275" cy="2801973"/>
+          </a:xfrm>
+        </p:spPr>
+        <p:txBody>
+          <a:bodyPr>
+            <a:normAutofit fontScale="92500" lnSpcReduction="20000"/>
+          </a:bodyPr>
+          <a:lstStyle/>
+          <a:p>
+            <a:pPr marL="0" indent="0">
+              <a:buNone/>
+            </a:pPr>
+            <a:r>
+              <a:rPr lang="en-US" sz="2000" b="1" dirty="0"/>
+              <a:t>Requirement Documentation</a:t>
+            </a:r>
+          </a:p>
+          <a:p>
+            <a:pPr marL="0" indent="0">
+              <a:buNone/>
+            </a:pPr>
+            <a:r>
+              <a:rPr lang="en-US" dirty="0"/>
+              <a:t>Documenting requirements is a crucial step in the software development process, ensuring that all stakeholders have a clear understanding of what needs to be built and how it will function.</a:t>
+            </a:r>
+            <a:endParaRPr lang="en-US" sz="2000" b="1" dirty="0"/>
+          </a:p>
+          <a:p>
+            <a:pPr marL="0" indent="0">
+              <a:buNone/>
+            </a:pPr>
+            <a:endParaRPr lang="en-US" dirty="0"/>
+          </a:p>
+          <a:p>
+            <a:r>
+              <a:rPr lang="en-US" dirty="0"/>
+              <a:t>Use cases</a:t>
+            </a:r>
+          </a:p>
+          <a:p>
+            <a:r>
+              <a:rPr lang="en-US" dirty="0"/>
+              <a:t>User stories</a:t>
+            </a:r>
+            <a:endParaRPr lang="en-CM" dirty="0"/>
+          </a:p>
+        </p:txBody>
+      </p:sp>
+      <p:sp>
+        <p:nvSpPr>
+          <p:cNvPr id="7" name="Title 1">
+            <a:extLst>
+              <a:ext uri="{FF2B5EF4-FFF2-40B4-BE49-F238E27FC236}">
+                <a16:creationId xmlns:a16="http://schemas.microsoft.com/office/drawing/2014/main" id="{080F8A97-DB15-2412-BB2B-410F6028DA53}"/>
+              </a:ext>
+            </a:extLst>
+          </p:cNvPr>
+          <p:cNvSpPr txBox="1">
+            <a:spLocks/>
+          </p:cNvSpPr>
+          <p:nvPr/>
+        </p:nvSpPr>
+        <p:spPr>
+          <a:xfrm>
+            <a:off x="1130270" y="867037"/>
+            <a:ext cx="9603275" cy="1049235"/>
+          </a:xfrm>
+          <a:prstGeom prst="rect">
+            <a:avLst/>
+          </a:prstGeom>
+        </p:spPr>
+        <p:txBody>
+          <a:bodyPr vert="horz" lIns="91440" tIns="45720" rIns="91440" bIns="45720" rtlCol="0" anchor="t">
+            <a:normAutofit/>
+          </a:bodyPr>
+          <a:lstStyle>
+            <a:lvl1pPr algn="l" defTabSz="914400" rtl="0" eaLnBrk="1" latinLnBrk="0" hangingPunct="1">
+              <a:lnSpc>
+                <a:spcPct val="90000"/>
+              </a:lnSpc>
+              <a:spcBef>
+                <a:spcPct val="0"/>
+              </a:spcBef>
+              <a:buNone/>
+              <a:defRPr sz="3200" b="0" i="0" kern="1200" cap="none">
+                <a:solidFill>
+                  <a:schemeClr val="tx1"/>
+                </a:solidFill>
+                <a:effectLst/>
+                <a:latin typeface="+mj-lt"/>
+                <a:ea typeface="+mj-ea"/>
+                <a:cs typeface="+mj-cs"/>
+              </a:defRPr>
+            </a:lvl1pPr>
+          </a:lstStyle>
+          <a:p>
+            <a:r>
+              <a:rPr lang="en-US" b="1" dirty="0"/>
+              <a:t>Requirement gathering process</a:t>
+            </a:r>
+            <a:endParaRPr lang="en-CM" b="1" dirty="0"/>
+          </a:p>
+        </p:txBody>
+      </p:sp>
+    </p:spTree>
+    <p:extLst>
+      <p:ext uri="{BB962C8B-B14F-4D97-AF65-F5344CB8AC3E}">
+        <p14:creationId xmlns:p14="http://schemas.microsoft.com/office/powerpoint/2010/main" val="2845251469"/>
+      </p:ext>
+    </p:extLst>
+  </p:cSld>
+  <p:clrMapOvr>
+    <a:masterClrMapping/>
+  </p:clrMapOvr>
+</p:sld>
+</file>
+
+<file path=ppt/slides/slide21.xml><?xml version="1.0" encoding="utf-8"?>
+<p:sld xmlns:a="http://schemas.openxmlformats.org/drawingml/2006/main" xmlns:r="http://schemas.openxmlformats.org/officeDocument/2006/relationships" xmlns:p="http://schemas.openxmlformats.org/presentationml/2006/main">
+  <p:cSld>
+    <p:spTree>
+      <p:nvGrpSpPr>
+        <p:cNvPr id="1" name=""/>
+        <p:cNvGrpSpPr/>
+        <p:nvPr/>
+      </p:nvGrpSpPr>
+      <p:grpSpPr>
+        <a:xfrm>
+          <a:off x="0" y="0"/>
+          <a:ext cx="0" cy="0"/>
+          <a:chOff x="0" y="0"/>
+          <a:chExt cx="0" cy="0"/>
+        </a:xfrm>
+      </p:grpSpPr>
+      <p:sp>
+        <p:nvSpPr>
+          <p:cNvPr id="2" name="Title 1">
+            <a:extLst>
+              <a:ext uri="{FF2B5EF4-FFF2-40B4-BE49-F238E27FC236}">
+                <a16:creationId xmlns:a16="http://schemas.microsoft.com/office/drawing/2014/main" id="{6BE89BE0-592A-4AEA-AC3D-233F961739AB}"/>
+              </a:ext>
+            </a:extLst>
+          </p:cNvPr>
+          <p:cNvSpPr>
+            <a:spLocks noGrp="1"/>
+          </p:cNvSpPr>
+          <p:nvPr>
+            <p:ph type="title"/>
+          </p:nvPr>
+        </p:nvSpPr>
+        <p:spPr/>
+        <p:txBody>
+          <a:bodyPr/>
+          <a:lstStyle/>
+          <a:p>
+            <a:r>
+              <a:rPr lang="en-GB" b="1" dirty="0"/>
+              <a:t>Conclusion</a:t>
+            </a:r>
+            <a:endParaRPr lang="en-CM" b="1" dirty="0"/>
+          </a:p>
+        </p:txBody>
+      </p:sp>
+      <p:sp>
+        <p:nvSpPr>
+          <p:cNvPr id="3" name="Content Placeholder 2">
+            <a:extLst>
+              <a:ext uri="{FF2B5EF4-FFF2-40B4-BE49-F238E27FC236}">
+                <a16:creationId xmlns:a16="http://schemas.microsoft.com/office/drawing/2014/main" id="{64A70768-7919-4836-BBE2-80B79646D329}"/>
+              </a:ext>
+            </a:extLst>
+          </p:cNvPr>
+          <p:cNvSpPr>
+            <a:spLocks noGrp="1"/>
+          </p:cNvSpPr>
+          <p:nvPr>
+            <p:ph idx="1"/>
+          </p:nvPr>
+        </p:nvSpPr>
+        <p:spPr>
+          <a:xfrm>
+            <a:off x="1294362" y="1781712"/>
+            <a:ext cx="9603275" cy="3294576"/>
+          </a:xfrm>
+        </p:spPr>
+        <p:txBody>
+          <a:bodyPr/>
+          <a:lstStyle/>
+          <a:p>
+            <a:pPr marL="0" indent="0">
+              <a:buNone/>
+            </a:pPr>
+            <a:r>
+              <a:rPr lang="en-GB" dirty="0"/>
+              <a:t>By following these steps, you'll have a solid foundation of user needs and functionalities to guide the development of your biometric student attendance mobile app.</a:t>
+            </a:r>
+          </a:p>
+        </p:txBody>
+      </p:sp>
+    </p:spTree>
+    <p:extLst>
+      <p:ext uri="{BB962C8B-B14F-4D97-AF65-F5344CB8AC3E}">
+        <p14:creationId xmlns:p14="http://schemas.microsoft.com/office/powerpoint/2010/main" val="1015280710"/>
+      </p:ext>
+    </p:extLst>
+  </p:cSld>
+  <p:clrMapOvr>
+    <a:masterClrMapping/>
+  </p:clrMapOvr>
+</p:sld>
+</file>
+
+<file path=ppt/slides/slide22.xml><?xml version="1.0" encoding="utf-8"?>
+<p:sld xmlns:a="http://schemas.openxmlformats.org/drawingml/2006/main" xmlns:r="http://schemas.openxmlformats.org/officeDocument/2006/relationships" xmlns:p="http://schemas.openxmlformats.org/presentationml/2006/main">
+  <p:cSld>
+    <p:spTree>
+      <p:nvGrpSpPr>
+        <p:cNvPr id="1" name=""/>
+        <p:cNvGrpSpPr/>
+        <p:nvPr/>
+      </p:nvGrpSpPr>
+      <p:grpSpPr>
+        <a:xfrm>
+          <a:off x="0" y="0"/>
+          <a:ext cx="0" cy="0"/>
+          <a:chOff x="0" y="0"/>
+          <a:chExt cx="0" cy="0"/>
+        </a:xfrm>
+      </p:grpSpPr>
+      <p:sp>
+        <p:nvSpPr>
+          <p:cNvPr id="4" name="Title 3">
+            <a:extLst>
+              <a:ext uri="{FF2B5EF4-FFF2-40B4-BE49-F238E27FC236}">
+                <a16:creationId xmlns:a16="http://schemas.microsoft.com/office/drawing/2014/main" id="{7A44EBC3-CB50-1978-D677-8450D5DC186E}"/>
+              </a:ext>
+            </a:extLst>
+          </p:cNvPr>
+          <p:cNvSpPr>
+            <a:spLocks noGrp="1"/>
+          </p:cNvSpPr>
+          <p:nvPr>
+            <p:ph type="title"/>
+          </p:nvPr>
+        </p:nvSpPr>
+        <p:spPr>
+          <a:xfrm>
+            <a:off x="1130270" y="953324"/>
+            <a:ext cx="9603275" cy="3129945"/>
+          </a:xfrm>
+        </p:spPr>
+        <p:txBody>
+          <a:bodyPr/>
+          <a:lstStyle/>
+          <a:p>
+            <a:pPr algn="ctr"/>
+            <a:br>
+              <a:rPr lang="en-GB" b="1" dirty="0"/>
+            </a:br>
+            <a:br>
+              <a:rPr lang="en-GB" b="1" dirty="0"/>
+            </a:br>
+            <a:r>
+              <a:rPr lang="en-GB" b="1" dirty="0"/>
+              <a:t>THANK YOU</a:t>
+            </a:r>
+            <a:endParaRPr lang="en-US" b="1" dirty="0"/>
+          </a:p>
+        </p:txBody>
+      </p:sp>
+    </p:spTree>
+    <p:extLst>
+      <p:ext uri="{BB962C8B-B14F-4D97-AF65-F5344CB8AC3E}">
+        <p14:creationId xmlns:p14="http://schemas.microsoft.com/office/powerpoint/2010/main" val="3012697077"/>
+      </p:ext>
+    </p:extLst>
+  </p:cSld>
+  <p:clrMapOvr>
+    <a:masterClrMapping/>
+  </p:clrMapOvr>
+</p:sld>
+</file>
+
+<file path=ppt/slides/slide3.xml><?xml version="1.0" encoding="utf-8"?>
+<p:sld xmlns:a="http://schemas.openxmlformats.org/drawingml/2006/main" xmlns:r="http://schemas.openxmlformats.org/officeDocument/2006/relationships" xmlns:p="http://schemas.openxmlformats.org/presentationml/2006/main">
+  <p:cSld>
+    <p:spTree>
+      <p:nvGrpSpPr>
+        <p:cNvPr id="1" name=""/>
+        <p:cNvGrpSpPr/>
+        <p:nvPr/>
+      </p:nvGrpSpPr>
+      <p:grpSpPr>
+        <a:xfrm>
+          <a:off x="0" y="0"/>
+          <a:ext cx="0" cy="0"/>
+          <a:chOff x="0" y="0"/>
+          <a:chExt cx="0" cy="0"/>
+        </a:xfrm>
+      </p:grpSpPr>
+      <p:sp>
+        <p:nvSpPr>
+          <p:cNvPr id="2" name="Title 1">
+            <a:extLst>
+              <a:ext uri="{FF2B5EF4-FFF2-40B4-BE49-F238E27FC236}">
+                <a16:creationId xmlns:a16="http://schemas.microsoft.com/office/drawing/2014/main" id="{EBD41ACF-2078-484B-A806-6DD10164D609}"/>
+              </a:ext>
+            </a:extLst>
+          </p:cNvPr>
+          <p:cNvSpPr>
+            <a:spLocks noGrp="1"/>
+          </p:cNvSpPr>
+          <p:nvPr>
+            <p:ph type="title"/>
+          </p:nvPr>
+        </p:nvSpPr>
+        <p:spPr/>
+        <p:txBody>
+          <a:bodyPr/>
+          <a:lstStyle/>
+          <a:p>
+            <a:r>
+              <a:rPr lang="en-US" b="1" i="1" dirty="0">
+                <a:solidFill>
+                  <a:srgbClr val="00B050"/>
+                </a:solidFill>
+              </a:rPr>
+              <a:t>Project Initiation document(PID) and PID Template(1/2)</a:t>
+            </a:r>
+            <a:endParaRPr lang="en-CM" b="1" i="1" dirty="0">
+              <a:solidFill>
+                <a:srgbClr val="00B050"/>
+              </a:solidFill>
+            </a:endParaRPr>
+          </a:p>
+        </p:txBody>
+      </p:sp>
+      <p:sp>
+        <p:nvSpPr>
+          <p:cNvPr id="3" name="Content Placeholder 2">
+            <a:extLst>
+              <a:ext uri="{FF2B5EF4-FFF2-40B4-BE49-F238E27FC236}">
+                <a16:creationId xmlns:a16="http://schemas.microsoft.com/office/drawing/2014/main" id="{79B669F2-8768-4B94-BE54-BD634AB35B96}"/>
+              </a:ext>
+            </a:extLst>
+          </p:cNvPr>
+          <p:cNvSpPr>
+            <a:spLocks noGrp="1"/>
+          </p:cNvSpPr>
+          <p:nvPr>
+            <p:ph idx="1"/>
+          </p:nvPr>
+        </p:nvSpPr>
+        <p:spPr/>
+        <p:txBody>
+          <a:bodyPr/>
+          <a:lstStyle/>
+          <a:p>
+            <a:r>
+              <a:rPr lang="en-GB" sz="2400" dirty="0">
+                <a:effectLst/>
+                <a:latin typeface="Calibri" panose="020F0502020204030204" pitchFamily="34" charset="0"/>
+                <a:ea typeface="Calibri" panose="020F0502020204030204" pitchFamily="34" charset="0"/>
+                <a:cs typeface="Times New Roman" panose="02020603050405020304" pitchFamily="18" charset="0"/>
+              </a:rPr>
+              <a:t>A project initiation document (PID) is a type of document that project managers create before they begin a project.</a:t>
+            </a:r>
+          </a:p>
+          <a:p>
+            <a:r>
+              <a:rPr lang="en-CM" sz="2400" dirty="0">
+                <a:solidFill>
+                  <a:srgbClr val="2A2B2C"/>
+                </a:solidFill>
+                <a:effectLst/>
+                <a:latin typeface="Calibri" panose="020F0502020204030204" pitchFamily="34" charset="0"/>
+                <a:ea typeface="Calibri" panose="020F0502020204030204" pitchFamily="34" charset="0"/>
+              </a:rPr>
+              <a:t>A </a:t>
+            </a:r>
+            <a:r>
+              <a:rPr lang="en-CM" sz="2400" dirty="0">
+                <a:effectLst/>
+                <a:latin typeface="Calibri" panose="020F0502020204030204" pitchFamily="34" charset="0"/>
+                <a:ea typeface="Calibri" panose="020F0502020204030204" pitchFamily="34" charset="0"/>
+              </a:rPr>
+              <a:t>project initiation document (PID) template is a reusable outline of a project initiation document.</a:t>
+            </a:r>
+            <a:r>
+              <a:rPr lang="en-CM" sz="1800" dirty="0">
+                <a:effectLst/>
+                <a:latin typeface="Calibri" panose="020F0502020204030204" pitchFamily="34" charset="0"/>
+                <a:ea typeface="Calibri" panose="020F0502020204030204" pitchFamily="34" charset="0"/>
+              </a:rPr>
+              <a:t> </a:t>
+            </a:r>
+            <a:endParaRPr lang="en-CM" dirty="0"/>
+          </a:p>
+        </p:txBody>
+      </p:sp>
+    </p:spTree>
+    <p:extLst>
+      <p:ext uri="{BB962C8B-B14F-4D97-AF65-F5344CB8AC3E}">
+        <p14:creationId xmlns:p14="http://schemas.microsoft.com/office/powerpoint/2010/main" val="671371463"/>
+      </p:ext>
+    </p:extLst>
+  </p:cSld>
+  <p:clrMapOvr>
+    <a:masterClrMapping/>
+  </p:clrMapOvr>
+</p:sld>
+</file>
+
+<file path=ppt/slides/slide4.xml><?xml version="1.0" encoding="utf-8"?>
+<p:sld xmlns:a="http://schemas.openxmlformats.org/drawingml/2006/main" xmlns:r="http://schemas.openxmlformats.org/officeDocument/2006/relationships" xmlns:p="http://schemas.openxmlformats.org/presentationml/2006/main">
+  <p:cSld>
+    <p:spTree>
+      <p:nvGrpSpPr>
+        <p:cNvPr id="1" name=""/>
+        <p:cNvGrpSpPr/>
+        <p:nvPr/>
+      </p:nvGrpSpPr>
+      <p:grpSpPr>
+        <a:xfrm>
+          <a:off x="0" y="0"/>
+          <a:ext cx="0" cy="0"/>
+          <a:chOff x="0" y="0"/>
+          <a:chExt cx="0" cy="0"/>
+        </a:xfrm>
+      </p:grpSpPr>
+      <p:sp>
+        <p:nvSpPr>
+          <p:cNvPr id="2" name="Title 1">
+            <a:extLst>
+              <a:ext uri="{FF2B5EF4-FFF2-40B4-BE49-F238E27FC236}">
+                <a16:creationId xmlns:a16="http://schemas.microsoft.com/office/drawing/2014/main" id="{9173B0CB-D842-43C2-9657-653097EEB967}"/>
+              </a:ext>
+            </a:extLst>
+          </p:cNvPr>
+          <p:cNvSpPr>
+            <a:spLocks noGrp="1"/>
+          </p:cNvSpPr>
+          <p:nvPr>
+            <p:ph type="title"/>
+          </p:nvPr>
+        </p:nvSpPr>
+        <p:spPr/>
+        <p:txBody>
+          <a:bodyPr/>
+          <a:lstStyle/>
+          <a:p>
+            <a:r>
+              <a:rPr lang="en-US" b="1" i="1" dirty="0">
+                <a:solidFill>
+                  <a:srgbClr val="00B050"/>
+                </a:solidFill>
+              </a:rPr>
+              <a:t>Project Initiation document(PID) and PID Template(2/2)</a:t>
+            </a:r>
+            <a:endParaRPr lang="en-CM" dirty="0"/>
+          </a:p>
+        </p:txBody>
+      </p:sp>
+      <p:sp>
+        <p:nvSpPr>
+          <p:cNvPr id="3" name="Content Placeholder 2">
+            <a:extLst>
+              <a:ext uri="{FF2B5EF4-FFF2-40B4-BE49-F238E27FC236}">
+                <a16:creationId xmlns:a16="http://schemas.microsoft.com/office/drawing/2014/main" id="{6F916FEC-9EB1-42DB-B600-E82F4CA303D3}"/>
+              </a:ext>
+            </a:extLst>
+          </p:cNvPr>
+          <p:cNvSpPr>
+            <a:spLocks noGrp="1"/>
+          </p:cNvSpPr>
+          <p:nvPr>
+            <p:ph sz="half" idx="1"/>
+          </p:nvPr>
+        </p:nvSpPr>
+        <p:spPr/>
+        <p:txBody>
+          <a:bodyPr>
+            <a:normAutofit/>
+          </a:bodyPr>
+          <a:lstStyle/>
+          <a:p>
+            <a:r>
+              <a:rPr lang="en-US" sz="2400" b="1" i="1" u="sng" dirty="0">
+                <a:solidFill>
+                  <a:schemeClr val="accent2">
+                    <a:lumMod val="40000"/>
+                    <a:lumOff val="60000"/>
+                  </a:schemeClr>
+                </a:solidFill>
+                <a:effectLst/>
+                <a:latin typeface="Calibri" panose="020F0502020204030204" pitchFamily="34" charset="0"/>
+                <a:ea typeface="Times New Roman" panose="02020603050405020304" pitchFamily="18" charset="0"/>
+              </a:rPr>
+              <a:t>Why use the PID template</a:t>
             </a:r>
           </a:p>
           <a:p>
             <a:pPr lvl="1"/>
             <a:r>
-              <a:rPr lang="en-US" sz="2000" i="1" dirty="0"/>
-              <a:t>Scalability and Customization</a:t>
-            </a:r>
-            <a:endParaRPr lang="en-CM" sz="2000" i="1" dirty="0"/>
+              <a:rPr lang="en-CM" sz="2000" dirty="0">
+                <a:solidFill>
+                  <a:schemeClr val="accent2">
+                    <a:lumMod val="40000"/>
+                    <a:lumOff val="60000"/>
+                  </a:schemeClr>
+                </a:solidFill>
+                <a:effectLst/>
+                <a:latin typeface="Calibri" panose="020F0502020204030204" pitchFamily="34" charset="0"/>
+                <a:ea typeface="Times New Roman" panose="02020603050405020304" pitchFamily="18" charset="0"/>
+              </a:rPr>
+              <a:t>Establishes consistency across all projects</a:t>
+            </a:r>
+            <a:r>
+              <a:rPr lang="en-US" sz="2000" dirty="0">
+                <a:solidFill>
+                  <a:schemeClr val="accent2">
+                    <a:lumMod val="40000"/>
+                    <a:lumOff val="60000"/>
+                  </a:schemeClr>
+                </a:solidFill>
+                <a:effectLst/>
+                <a:latin typeface="Calibri" panose="020F0502020204030204" pitchFamily="34" charset="0"/>
+                <a:ea typeface="Times New Roman" panose="02020603050405020304" pitchFamily="18" charset="0"/>
+              </a:rPr>
+              <a:t>.</a:t>
+            </a:r>
+          </a:p>
+          <a:p>
+            <a:pPr lvl="1"/>
+            <a:r>
+              <a:rPr lang="en-CM" sz="2000" dirty="0">
+                <a:solidFill>
+                  <a:schemeClr val="accent2">
+                    <a:lumMod val="40000"/>
+                    <a:lumOff val="60000"/>
+                  </a:schemeClr>
+                </a:solidFill>
+                <a:effectLst/>
+                <a:latin typeface="Calibri" panose="020F0502020204030204" pitchFamily="34" charset="0"/>
+                <a:ea typeface="Times New Roman" panose="02020603050405020304" pitchFamily="18" charset="0"/>
+              </a:rPr>
+              <a:t>Allows for customization for specific teams</a:t>
+            </a:r>
+            <a:r>
+              <a:rPr lang="en-US" sz="2000" dirty="0">
+                <a:solidFill>
+                  <a:schemeClr val="accent2">
+                    <a:lumMod val="40000"/>
+                    <a:lumOff val="60000"/>
+                  </a:schemeClr>
+                </a:solidFill>
+                <a:latin typeface="Calibri" panose="020F0502020204030204" pitchFamily="34" charset="0"/>
+                <a:ea typeface="Times New Roman" panose="02020603050405020304" pitchFamily="18" charset="0"/>
+              </a:rPr>
+              <a:t>.</a:t>
+            </a:r>
+          </a:p>
+          <a:p>
+            <a:pPr lvl="1"/>
+            <a:r>
+              <a:rPr lang="en-CM" sz="2000" dirty="0">
+                <a:solidFill>
+                  <a:schemeClr val="accent2">
+                    <a:lumMod val="40000"/>
+                    <a:lumOff val="60000"/>
+                  </a:schemeClr>
+                </a:solidFill>
+                <a:effectLst/>
+                <a:latin typeface="Calibri" panose="020F0502020204030204" pitchFamily="34" charset="0"/>
+                <a:ea typeface="Times New Roman" panose="02020603050405020304" pitchFamily="18" charset="0"/>
+              </a:rPr>
+              <a:t>Quickly provide context for stakeholders</a:t>
+            </a:r>
+            <a:endParaRPr lang="en-CM" sz="2000" dirty="0">
+              <a:solidFill>
+                <a:schemeClr val="accent2">
+                  <a:lumMod val="40000"/>
+                  <a:lumOff val="60000"/>
+                </a:schemeClr>
+              </a:solidFill>
+            </a:endParaRPr>
+          </a:p>
+        </p:txBody>
+      </p:sp>
+      <p:sp>
+        <p:nvSpPr>
+          <p:cNvPr id="4" name="Content Placeholder 3">
+            <a:extLst>
+              <a:ext uri="{FF2B5EF4-FFF2-40B4-BE49-F238E27FC236}">
+                <a16:creationId xmlns:a16="http://schemas.microsoft.com/office/drawing/2014/main" id="{29188EA4-0845-4D1A-B5CE-6E2D06852798}"/>
+              </a:ext>
+            </a:extLst>
+          </p:cNvPr>
+          <p:cNvSpPr>
+            <a:spLocks noGrp="1"/>
+          </p:cNvSpPr>
+          <p:nvPr>
+            <p:ph sz="half" idx="2"/>
+          </p:nvPr>
+        </p:nvSpPr>
+        <p:spPr/>
+        <p:txBody>
+          <a:bodyPr>
+            <a:normAutofit/>
+          </a:bodyPr>
+          <a:lstStyle/>
+          <a:p>
+            <a:r>
+              <a:rPr lang="en-CM" sz="2400" b="1" i="1" u="sng" spc="-25" dirty="0">
+                <a:solidFill>
+                  <a:schemeClr val="accent2">
+                    <a:lumMod val="40000"/>
+                    <a:lumOff val="60000"/>
+                  </a:schemeClr>
+                </a:solidFill>
+                <a:effectLst/>
+                <a:latin typeface="Calibri" panose="020F0502020204030204" pitchFamily="34" charset="0"/>
+                <a:ea typeface="Calibri" panose="020F0502020204030204" pitchFamily="34" charset="0"/>
+              </a:rPr>
+              <a:t>What’s included in a project initiation document template?</a:t>
+            </a:r>
+            <a:endParaRPr lang="en-US" sz="2400" b="1" i="1" u="sng" spc="-25" dirty="0">
+              <a:solidFill>
+                <a:schemeClr val="accent2">
+                  <a:lumMod val="40000"/>
+                  <a:lumOff val="60000"/>
+                </a:schemeClr>
+              </a:solidFill>
+              <a:effectLst/>
+              <a:latin typeface="Calibri" panose="020F0502020204030204" pitchFamily="34" charset="0"/>
+              <a:ea typeface="Calibri" panose="020F0502020204030204" pitchFamily="34" charset="0"/>
+            </a:endParaRPr>
+          </a:p>
+          <a:p>
+            <a:pPr lvl="1">
+              <a:lnSpc>
+                <a:spcPct val="107000"/>
+              </a:lnSpc>
+              <a:spcAft>
+                <a:spcPts val="800"/>
+              </a:spcAft>
+            </a:pPr>
+            <a:r>
+              <a:rPr lang="en-CM" sz="1600" b="1" u="sng" dirty="0">
+                <a:solidFill>
+                  <a:srgbClr val="0D0E10"/>
+                </a:solidFill>
+                <a:effectLst/>
+                <a:latin typeface="Calibri" panose="020F0502020204030204" pitchFamily="34" charset="0"/>
+                <a:ea typeface="Times New Roman" panose="02020603050405020304" pitchFamily="18" charset="0"/>
+                <a:cs typeface="Calibri" panose="020F0502020204030204" pitchFamily="34" charset="0"/>
+                <a:hlinkClick r:id="rId2"/>
+              </a:rPr>
+              <a:t>Project goals or objective</a:t>
+            </a:r>
+            <a:endParaRPr lang="en-CM" sz="1600" dirty="0">
+              <a:effectLst/>
+              <a:latin typeface="Calibri" panose="020F0502020204030204" pitchFamily="34" charset="0"/>
+              <a:ea typeface="Calibri" panose="020F0502020204030204" pitchFamily="34" charset="0"/>
+              <a:cs typeface="Times New Roman" panose="02020603050405020304" pitchFamily="18" charset="0"/>
+            </a:endParaRPr>
+          </a:p>
+          <a:p>
+            <a:pPr lvl="1">
+              <a:lnSpc>
+                <a:spcPct val="107000"/>
+              </a:lnSpc>
+              <a:spcAft>
+                <a:spcPts val="800"/>
+              </a:spcAft>
+            </a:pPr>
+            <a:r>
+              <a:rPr lang="en-CM" sz="1600" b="1" u="sng" dirty="0">
+                <a:solidFill>
+                  <a:srgbClr val="0D0E10"/>
+                </a:solidFill>
+                <a:effectLst/>
+                <a:latin typeface="Calibri" panose="020F0502020204030204" pitchFamily="34" charset="0"/>
+                <a:ea typeface="Times New Roman" panose="02020603050405020304" pitchFamily="18" charset="0"/>
+                <a:cs typeface="Calibri" panose="020F0502020204030204" pitchFamily="34" charset="0"/>
+                <a:hlinkClick r:id="rId3"/>
+              </a:rPr>
+              <a:t>Success metrics</a:t>
+            </a:r>
+            <a:endParaRPr lang="en-CM" sz="1600" dirty="0">
+              <a:effectLst/>
+              <a:latin typeface="Calibri" panose="020F0502020204030204" pitchFamily="34" charset="0"/>
+              <a:ea typeface="Calibri" panose="020F0502020204030204" pitchFamily="34" charset="0"/>
+              <a:cs typeface="Times New Roman" panose="02020603050405020304" pitchFamily="18" charset="0"/>
+            </a:endParaRPr>
+          </a:p>
+          <a:p>
+            <a:pPr lvl="1">
+              <a:lnSpc>
+                <a:spcPct val="107000"/>
+              </a:lnSpc>
+              <a:spcAft>
+                <a:spcPts val="800"/>
+              </a:spcAft>
+            </a:pPr>
+            <a:r>
+              <a:rPr lang="en-CM" sz="1600" b="1" u="sng" dirty="0">
+                <a:solidFill>
+                  <a:srgbClr val="0D0E10"/>
+                </a:solidFill>
+                <a:effectLst/>
+                <a:latin typeface="Calibri" panose="020F0502020204030204" pitchFamily="34" charset="0"/>
+                <a:ea typeface="Times New Roman" panose="02020603050405020304" pitchFamily="18" charset="0"/>
+                <a:cs typeface="Calibri" panose="020F0502020204030204" pitchFamily="34" charset="0"/>
+                <a:hlinkClick r:id="rId4"/>
+              </a:rPr>
+              <a:t>Project scope</a:t>
+            </a:r>
+            <a:endParaRPr lang="en-CM" sz="1600" dirty="0">
+              <a:effectLst/>
+              <a:latin typeface="Calibri" panose="020F0502020204030204" pitchFamily="34" charset="0"/>
+              <a:ea typeface="Calibri" panose="020F0502020204030204" pitchFamily="34" charset="0"/>
+              <a:cs typeface="Times New Roman" panose="02020603050405020304" pitchFamily="18" charset="0"/>
+            </a:endParaRPr>
+          </a:p>
+          <a:p>
+            <a:pPr lvl="1">
+              <a:lnSpc>
+                <a:spcPct val="107000"/>
+              </a:lnSpc>
+              <a:spcAft>
+                <a:spcPts val="800"/>
+              </a:spcAft>
+            </a:pPr>
+            <a:r>
+              <a:rPr lang="en-CM" sz="1600" b="1" u="sng" dirty="0">
+                <a:solidFill>
+                  <a:srgbClr val="0D0E10"/>
+                </a:solidFill>
+                <a:effectLst/>
+                <a:latin typeface="Calibri" panose="020F0502020204030204" pitchFamily="34" charset="0"/>
+                <a:ea typeface="Times New Roman" panose="02020603050405020304" pitchFamily="18" charset="0"/>
+                <a:cs typeface="Calibri" panose="020F0502020204030204" pitchFamily="34" charset="0"/>
+                <a:hlinkClick r:id="rId5"/>
+              </a:rPr>
+              <a:t>Communication plan</a:t>
+            </a:r>
+            <a:endParaRPr lang="en-CM" sz="1600" dirty="0">
+              <a:effectLst/>
+              <a:latin typeface="Calibri" panose="020F0502020204030204" pitchFamily="34" charset="0"/>
+              <a:ea typeface="Calibri" panose="020F0502020204030204" pitchFamily="34" charset="0"/>
+              <a:cs typeface="Times New Roman" panose="02020603050405020304" pitchFamily="18" charset="0"/>
+            </a:endParaRPr>
+          </a:p>
+          <a:p>
+            <a:pPr lvl="1">
+              <a:lnSpc>
+                <a:spcPct val="107000"/>
+              </a:lnSpc>
+              <a:spcAft>
+                <a:spcPts val="800"/>
+              </a:spcAft>
+            </a:pPr>
+            <a:r>
+              <a:rPr lang="en-CM" sz="1600" b="1" u="sng" dirty="0">
+                <a:solidFill>
+                  <a:srgbClr val="0D0E10"/>
+                </a:solidFill>
+                <a:effectLst/>
+                <a:latin typeface="Calibri" panose="020F0502020204030204" pitchFamily="34" charset="0"/>
+                <a:ea typeface="Times New Roman" panose="02020603050405020304" pitchFamily="18" charset="0"/>
+                <a:cs typeface="Calibri" panose="020F0502020204030204" pitchFamily="34" charset="0"/>
+                <a:hlinkClick r:id="rId6"/>
+              </a:rPr>
+              <a:t>Resourcing strategy</a:t>
+            </a:r>
+            <a:endParaRPr lang="en-CM" sz="1600" dirty="0">
+              <a:effectLst/>
+              <a:latin typeface="Calibri" panose="020F0502020204030204" pitchFamily="34" charset="0"/>
+              <a:ea typeface="Calibri" panose="020F0502020204030204" pitchFamily="34" charset="0"/>
+              <a:cs typeface="Times New Roman" panose="02020603050405020304" pitchFamily="18" charset="0"/>
+            </a:endParaRPr>
+          </a:p>
+        </p:txBody>
+      </p:sp>
+    </p:spTree>
+    <p:extLst>
+      <p:ext uri="{BB962C8B-B14F-4D97-AF65-F5344CB8AC3E}">
+        <p14:creationId xmlns:p14="http://schemas.microsoft.com/office/powerpoint/2010/main" val="3225301367"/>
+      </p:ext>
+    </p:extLst>
+  </p:cSld>
+  <p:clrMapOvr>
+    <a:masterClrMapping/>
+  </p:clrMapOvr>
+</p:sld>
+</file>
+
+<file path=ppt/slides/slide5.xml><?xml version="1.0" encoding="utf-8"?>
+<p:sld xmlns:a="http://schemas.openxmlformats.org/drawingml/2006/main" xmlns:r="http://schemas.openxmlformats.org/officeDocument/2006/relationships" xmlns:p="http://schemas.openxmlformats.org/presentationml/2006/main">
+  <p:cSld>
+    <p:spTree>
+      <p:nvGrpSpPr>
+        <p:cNvPr id="1" name=""/>
+        <p:cNvGrpSpPr/>
+        <p:nvPr/>
+      </p:nvGrpSpPr>
+      <p:grpSpPr>
+        <a:xfrm>
+          <a:off x="0" y="0"/>
+          <a:ext cx="0" cy="0"/>
+          <a:chOff x="0" y="0"/>
+          <a:chExt cx="0" cy="0"/>
+        </a:xfrm>
+      </p:grpSpPr>
+      <p:pic>
+        <p:nvPicPr>
+          <p:cNvPr id="4" name="Picture 3">
+            <a:extLst>
+              <a:ext uri="{FF2B5EF4-FFF2-40B4-BE49-F238E27FC236}">
+                <a16:creationId xmlns:a16="http://schemas.microsoft.com/office/drawing/2014/main" id="{6A4176AE-B425-48CB-849C-ECCFC2DD5DCF}"/>
+              </a:ext>
+            </a:extLst>
+          </p:cNvPr>
+          <p:cNvPicPr>
+            <a:picLocks noChangeAspect="1"/>
+          </p:cNvPicPr>
+          <p:nvPr/>
+        </p:nvPicPr>
+        <p:blipFill>
+          <a:blip r:embed="rId2">
+            <a:extLst>
+              <a:ext uri="{28A0092B-C50C-407E-A947-70E740481C1C}">
+                <a14:useLocalDpi xmlns:a14="http://schemas.microsoft.com/office/drawing/2010/main" val="0"/>
+              </a:ext>
+            </a:extLst>
+          </a:blip>
+          <a:stretch>
+            <a:fillRect/>
+          </a:stretch>
+        </p:blipFill>
+        <p:spPr>
+          <a:xfrm>
+            <a:off x="0" y="921"/>
+            <a:ext cx="12192000" cy="6116100"/>
+          </a:xfrm>
+          <a:prstGeom prst="rect">
+            <a:avLst/>
+          </a:prstGeom>
+        </p:spPr>
+      </p:pic>
+    </p:spTree>
+    <p:extLst>
+      <p:ext uri="{BB962C8B-B14F-4D97-AF65-F5344CB8AC3E}">
+        <p14:creationId xmlns:p14="http://schemas.microsoft.com/office/powerpoint/2010/main" val="2462851641"/>
+      </p:ext>
+    </p:extLst>
+  </p:cSld>
+  <p:clrMapOvr>
+    <a:masterClrMapping/>
+  </p:clrMapOvr>
+</p:sld>
+</file>
+
+<file path=ppt/slides/slide6.xml><?xml version="1.0" encoding="utf-8"?>
+<p:sld xmlns:a="http://schemas.openxmlformats.org/drawingml/2006/main" xmlns:r="http://schemas.openxmlformats.org/officeDocument/2006/relationships" xmlns:p="http://schemas.openxmlformats.org/presentationml/2006/main">
+  <p:cSld>
+    <p:spTree>
+      <p:nvGrpSpPr>
+        <p:cNvPr id="1" name=""/>
+        <p:cNvGrpSpPr/>
+        <p:nvPr/>
+      </p:nvGrpSpPr>
+      <p:grpSpPr>
+        <a:xfrm>
+          <a:off x="0" y="0"/>
+          <a:ext cx="0" cy="0"/>
+          <a:chOff x="0" y="0"/>
+          <a:chExt cx="0" cy="0"/>
+        </a:xfrm>
+      </p:grpSpPr>
+      <p:sp>
+        <p:nvSpPr>
+          <p:cNvPr id="2" name="Title 1">
+            <a:extLst>
+              <a:ext uri="{FF2B5EF4-FFF2-40B4-BE49-F238E27FC236}">
+                <a16:creationId xmlns:a16="http://schemas.microsoft.com/office/drawing/2014/main" id="{F36ECBB9-4A6D-4C67-B771-67BDFA8437DF}"/>
+              </a:ext>
+            </a:extLst>
+          </p:cNvPr>
+          <p:cNvSpPr>
+            <a:spLocks noGrp="1"/>
+          </p:cNvSpPr>
+          <p:nvPr>
+            <p:ph type="title"/>
+          </p:nvPr>
+        </p:nvSpPr>
+        <p:spPr/>
+        <p:txBody>
+          <a:bodyPr/>
+          <a:lstStyle/>
+          <a:p>
+            <a:r>
+              <a:rPr lang="en-US" b="1" dirty="0"/>
+              <a:t>Requirement gathering</a:t>
+            </a:r>
+            <a:endParaRPr lang="en-CM" b="1" dirty="0"/>
+          </a:p>
+        </p:txBody>
+      </p:sp>
+      <p:sp>
+        <p:nvSpPr>
+          <p:cNvPr id="3" name="Content Placeholder 2">
+            <a:extLst>
+              <a:ext uri="{FF2B5EF4-FFF2-40B4-BE49-F238E27FC236}">
+                <a16:creationId xmlns:a16="http://schemas.microsoft.com/office/drawing/2014/main" id="{36B036B4-8A2D-4836-BF78-E8F08F883528}"/>
+              </a:ext>
+            </a:extLst>
+          </p:cNvPr>
+          <p:cNvSpPr>
+            <a:spLocks noGrp="1"/>
+          </p:cNvSpPr>
+          <p:nvPr>
+            <p:ph idx="1"/>
+          </p:nvPr>
+        </p:nvSpPr>
+        <p:spPr/>
+        <p:txBody>
+          <a:bodyPr>
+            <a:normAutofit/>
+          </a:bodyPr>
+          <a:lstStyle/>
+          <a:p>
+            <a:r>
+              <a:rPr lang="en-US" sz="2800" b="1" dirty="0">
+                <a:solidFill>
+                  <a:srgbClr val="00B050"/>
+                </a:solidFill>
+              </a:rPr>
+              <a:t>Identify stakeholders</a:t>
+            </a:r>
+          </a:p>
+          <a:p>
+            <a:pPr lvl="1"/>
+            <a:r>
+              <a:rPr lang="en-US" sz="2400" i="1" dirty="0"/>
+              <a:t>Administration</a:t>
+            </a:r>
+          </a:p>
+          <a:p>
+            <a:pPr lvl="1"/>
+            <a:r>
+              <a:rPr lang="en-US" sz="2400" i="1" dirty="0"/>
+              <a:t>Teachers</a:t>
+            </a:r>
+          </a:p>
+          <a:p>
+            <a:pPr lvl="1"/>
+            <a:r>
+              <a:rPr lang="en-US" sz="2400" i="1" dirty="0"/>
+              <a:t>Students</a:t>
+            </a:r>
+          </a:p>
+          <a:p>
+            <a:pPr lvl="1"/>
+            <a:r>
+              <a:rPr lang="en-US" sz="2400" i="1" dirty="0"/>
+              <a:t>IT Department</a:t>
+            </a:r>
+          </a:p>
+        </p:txBody>
+      </p:sp>
+    </p:spTree>
+    <p:extLst>
+      <p:ext uri="{BB962C8B-B14F-4D97-AF65-F5344CB8AC3E}">
+        <p14:creationId xmlns:p14="http://schemas.microsoft.com/office/powerpoint/2010/main" val="1113586870"/>
+      </p:ext>
+    </p:extLst>
+  </p:cSld>
+  <p:clrMapOvr>
+    <a:masterClrMapping/>
+  </p:clrMapOvr>
+</p:sld>
+</file>
+
+<file path=ppt/slides/slide7.xml><?xml version="1.0" encoding="utf-8"?>
+<p:sld xmlns:a="http://schemas.openxmlformats.org/drawingml/2006/main" xmlns:r="http://schemas.openxmlformats.org/officeDocument/2006/relationships" xmlns:p="http://schemas.openxmlformats.org/presentationml/2006/main">
+  <p:cSld>
+    <p:spTree>
+      <p:nvGrpSpPr>
+        <p:cNvPr id="1" name=""/>
+        <p:cNvGrpSpPr/>
+        <p:nvPr/>
+      </p:nvGrpSpPr>
+      <p:grpSpPr>
+        <a:xfrm>
+          <a:off x="0" y="0"/>
+          <a:ext cx="0" cy="0"/>
+          <a:chOff x="0" y="0"/>
+          <a:chExt cx="0" cy="0"/>
+        </a:xfrm>
+      </p:grpSpPr>
+      <p:sp>
+        <p:nvSpPr>
+          <p:cNvPr id="2" name="Title 1">
+            <a:extLst>
+              <a:ext uri="{FF2B5EF4-FFF2-40B4-BE49-F238E27FC236}">
+                <a16:creationId xmlns:a16="http://schemas.microsoft.com/office/drawing/2014/main" id="{CD887F2B-2AF6-48F0-B6CA-203EBD2248C1}"/>
+              </a:ext>
+            </a:extLst>
+          </p:cNvPr>
+          <p:cNvSpPr>
+            <a:spLocks noGrp="1"/>
+          </p:cNvSpPr>
+          <p:nvPr>
+            <p:ph type="title"/>
+          </p:nvPr>
+        </p:nvSpPr>
+        <p:spPr/>
+        <p:txBody>
+          <a:bodyPr/>
+          <a:lstStyle/>
+          <a:p>
+            <a:r>
+              <a:rPr lang="en-US" b="1" dirty="0"/>
+              <a:t>Requirement gathering</a:t>
+            </a:r>
+            <a:endParaRPr lang="en-CM" b="1" dirty="0"/>
+          </a:p>
+        </p:txBody>
+      </p:sp>
+      <p:sp>
+        <p:nvSpPr>
+          <p:cNvPr id="3" name="Content Placeholder 2">
+            <a:extLst>
+              <a:ext uri="{FF2B5EF4-FFF2-40B4-BE49-F238E27FC236}">
+                <a16:creationId xmlns:a16="http://schemas.microsoft.com/office/drawing/2014/main" id="{F703C0D4-D6F2-48A9-9A0C-960591C53EFA}"/>
+              </a:ext>
+            </a:extLst>
+          </p:cNvPr>
+          <p:cNvSpPr>
+            <a:spLocks noGrp="1"/>
+          </p:cNvSpPr>
+          <p:nvPr>
+            <p:ph idx="1"/>
+          </p:nvPr>
+        </p:nvSpPr>
+        <p:spPr/>
+        <p:txBody>
+          <a:bodyPr>
+            <a:normAutofit fontScale="92500" lnSpcReduction="10000"/>
+          </a:bodyPr>
+          <a:lstStyle/>
+          <a:p>
+            <a:r>
+              <a:rPr lang="en-US" b="1" dirty="0">
+                <a:solidFill>
+                  <a:schemeClr val="accent5">
+                    <a:lumMod val="60000"/>
+                    <a:lumOff val="40000"/>
+                  </a:schemeClr>
+                </a:solidFill>
+              </a:rPr>
+              <a:t>Paper-Based Questionnaires</a:t>
+            </a:r>
+            <a:r>
+              <a:rPr lang="en-US" dirty="0"/>
+              <a:t>:  Questionnaires are an effective tool for gathering data from a large sample of stakeholders in a structured manner.</a:t>
+            </a:r>
+          </a:p>
+          <a:p>
+            <a:r>
+              <a:rPr lang="en-US" dirty="0"/>
+              <a:t>There are many considerations to be made such as:</a:t>
+            </a:r>
+          </a:p>
+          <a:p>
+            <a:pPr lvl="1"/>
+            <a:r>
+              <a:rPr lang="en-US" sz="2000" dirty="0"/>
+              <a:t>Developing a clear and concise set of questions that are relevant to the research objectives.</a:t>
+            </a:r>
+          </a:p>
+          <a:p>
+            <a:pPr lvl="1"/>
+            <a:r>
+              <a:rPr lang="en-US" sz="2000" dirty="0"/>
+              <a:t>Choosing the appropriate distribution channels based on the target audience which is the paper-based questionnaire.</a:t>
+            </a:r>
+          </a:p>
+          <a:p>
+            <a:r>
+              <a:rPr lang="en-US" sz="2200" dirty="0"/>
+              <a:t>Below is a sample questionnaire answered for our Biometric attendance system.</a:t>
+            </a:r>
+          </a:p>
+        </p:txBody>
+      </p:sp>
+      <p:sp>
+        <p:nvSpPr>
+          <p:cNvPr id="6" name="TextBox 5">
+            <a:extLst>
+              <a:ext uri="{FF2B5EF4-FFF2-40B4-BE49-F238E27FC236}">
+                <a16:creationId xmlns:a16="http://schemas.microsoft.com/office/drawing/2014/main" id="{B627C7B3-0424-4D21-A813-BFFBF02D44CC}"/>
+              </a:ext>
+            </a:extLst>
+          </p:cNvPr>
+          <p:cNvSpPr txBox="1"/>
+          <p:nvPr/>
+        </p:nvSpPr>
+        <p:spPr>
+          <a:xfrm>
+            <a:off x="1458455" y="1554186"/>
+            <a:ext cx="6101254" cy="523220"/>
+          </a:xfrm>
+          <a:prstGeom prst="rect">
+            <a:avLst/>
+          </a:prstGeom>
+          <a:noFill/>
+        </p:spPr>
+        <p:txBody>
+          <a:bodyPr wrap="square">
+            <a:spAutoFit/>
+          </a:bodyPr>
+          <a:lstStyle/>
+          <a:p>
+            <a:pPr marL="285750" indent="-285750">
+              <a:buFont typeface="Arial" panose="020B0604020202020204" pitchFamily="34" charset="0"/>
+              <a:buChar char="•"/>
+            </a:pPr>
+            <a:r>
+              <a:rPr lang="en-US" sz="2800" b="1" dirty="0">
+                <a:solidFill>
+                  <a:srgbClr val="00B050"/>
+                </a:solidFill>
+              </a:rPr>
+              <a:t>Gathering Techniques(1/6)</a:t>
+            </a:r>
           </a:p>
         </p:txBody>
       </p:sp>
@@ -5529,129 +6928,47 @@
           <a:chExt cx="0" cy="0"/>
         </a:xfrm>
       </p:grpSpPr>
-      <p:sp>
-        <p:nvSpPr>
-          <p:cNvPr id="2" name="Title 1">
+      <p:pic>
+        <p:nvPicPr>
+          <p:cNvPr id="4" name="Picture 3">
             <a:extLst>
               <a:ext uri="{FF2B5EF4-FFF2-40B4-BE49-F238E27FC236}">
-                <a16:creationId xmlns:a16="http://schemas.microsoft.com/office/drawing/2014/main" id="{992B07CF-0F42-49C1-B1EF-77A97EC4A94F}"/>
+                <a16:creationId xmlns:a16="http://schemas.microsoft.com/office/drawing/2014/main" id="{ED679BE6-A4D2-4F5C-A870-351345050949}"/>
               </a:ext>
             </a:extLst>
           </p:cNvPr>
-          <p:cNvSpPr>
-            <a:spLocks noGrp="1"/>
-          </p:cNvSpPr>
-          <p:nvPr>
-            <p:ph type="title"/>
-          </p:nvPr>
-        </p:nvSpPr>
-        <p:spPr>
-          <a:xfrm>
-            <a:off x="1130270" y="867037"/>
-            <a:ext cx="9603275" cy="1049235"/>
-          </a:xfrm>
-        </p:spPr>
-        <p:txBody>
-          <a:bodyPr/>
-          <a:lstStyle/>
-          <a:p>
-            <a:r>
-              <a:rPr lang="en-US" b="1" dirty="0"/>
-              <a:t>Requirement gathering process(3/5)</a:t>
-            </a:r>
-            <a:endParaRPr lang="en-CM" b="1" dirty="0"/>
-          </a:p>
-        </p:txBody>
-      </p:sp>
-      <p:sp>
-        <p:nvSpPr>
-          <p:cNvPr id="3" name="Content Placeholder 2">
+          <p:cNvPicPr/>
+          <p:nvPr/>
+        </p:nvPicPr>
+        <p:blipFill rotWithShape="1">
+          <a:blip r:embed="rId2" cstate="print">
             <a:extLst>
-              <a:ext uri="{FF2B5EF4-FFF2-40B4-BE49-F238E27FC236}">
-                <a16:creationId xmlns:a16="http://schemas.microsoft.com/office/drawing/2014/main" id="{EE115419-81E7-4491-86FD-E97EA5C70544}"/>
+              <a:ext uri="{28A0092B-C50C-407E-A947-70E740481C1C}">
+                <a14:useLocalDpi xmlns:a14="http://schemas.microsoft.com/office/drawing/2010/main" val="0"/>
               </a:ext>
             </a:extLst>
-          </p:cNvPr>
-          <p:cNvSpPr>
-            <a:spLocks noGrp="1"/>
-          </p:cNvSpPr>
-          <p:nvPr>
-            <p:ph idx="1"/>
-          </p:nvPr>
-        </p:nvSpPr>
-        <p:spPr/>
-        <p:txBody>
-          <a:bodyPr/>
-          <a:lstStyle/>
-          <a:p>
-            <a:pPr marL="0" indent="0">
-              <a:buNone/>
-            </a:pPr>
-            <a:r>
-              <a:rPr lang="en-US" sz="2800" b="1" dirty="0"/>
-              <a:t>Questionnaires and Surveys.</a:t>
-            </a:r>
-          </a:p>
-          <a:p>
-            <a:pPr marL="0" indent="0">
-              <a:buNone/>
-            </a:pPr>
-            <a:r>
-              <a:rPr lang="en-US" dirty="0"/>
-              <a:t>We collected the following information and obtain some questions like:</a:t>
-            </a:r>
-          </a:p>
-          <a:p>
-            <a:pPr marL="457200" lvl="1" indent="0">
-              <a:buNone/>
-            </a:pPr>
-            <a:r>
-              <a:rPr lang="en-US" sz="2000" i="1" dirty="0"/>
-              <a:t>Does your faculty currently has a student attendance system in place?</a:t>
-            </a:r>
-          </a:p>
-          <a:p>
-            <a:pPr marL="457200" lvl="1" indent="0">
-              <a:buNone/>
-            </a:pPr>
-            <a:r>
-              <a:rPr lang="en-US" sz="2000" i="1" dirty="0"/>
-              <a:t>If yes, what type of system is currently used?</a:t>
-            </a:r>
-          </a:p>
-          <a:p>
-            <a:pPr marL="457200" lvl="1" indent="0">
-              <a:buNone/>
-            </a:pPr>
-            <a:r>
-              <a:rPr lang="en-US" sz="2000" i="1" dirty="0"/>
-              <a:t>How satisfied are you with the system?</a:t>
-            </a:r>
-          </a:p>
-          <a:p>
-            <a:pPr marL="0" indent="0">
-              <a:buNone/>
-            </a:pPr>
-            <a:endParaRPr lang="en-US" dirty="0"/>
-          </a:p>
-          <a:p>
-            <a:pPr marL="0" indent="0">
-              <a:buNone/>
-            </a:pPr>
-            <a:endParaRPr lang="en-US" dirty="0"/>
-          </a:p>
-          <a:p>
-            <a:pPr marL="0" indent="0">
-              <a:buNone/>
-            </a:pPr>
-            <a:endParaRPr lang="en-CM" dirty="0"/>
-          </a:p>
-        </p:txBody>
-      </p:sp>
+          </a:blip>
+          <a:srcRect l="15526"/>
+          <a:stretch/>
+        </p:blipFill>
+        <p:spPr bwMode="auto">
+          <a:xfrm>
+            <a:off x="0" y="0"/>
+            <a:ext cx="12256167" cy="6160168"/>
+          </a:xfrm>
+          <a:prstGeom prst="rect">
+            <a:avLst/>
+          </a:prstGeom>
+          <a:noFill/>
+          <a:ln>
+            <a:noFill/>
+          </a:ln>
+        </p:spPr>
+      </p:pic>
     </p:spTree>
     <p:extLst>
       <p:ext uri="{BB962C8B-B14F-4D97-AF65-F5344CB8AC3E}">
-        <p14:creationId xmlns:p14="http://schemas.microsoft.com/office/powerpoint/2010/main" val="4004158048"/>
+        <p14:creationId xmlns:p14="http://schemas.microsoft.com/office/powerpoint/2010/main" val="3217042124"/>
       </p:ext>
     </p:extLst>
   </p:cSld>
@@ -5683,7 +7000,7 @@
           <p:cNvPr id="3" name="Picture 2">
             <a:extLst>
               <a:ext uri="{FF2B5EF4-FFF2-40B4-BE49-F238E27FC236}">
-                <a16:creationId xmlns:a16="http://schemas.microsoft.com/office/drawing/2014/main" id="{505D4C76-42E6-E293-527E-6601DEF4B3FB}"/>
+                <a16:creationId xmlns:a16="http://schemas.microsoft.com/office/drawing/2014/main" id="{6D4C6227-2D84-4590-B444-E659B22D1717}"/>
               </a:ext>
             </a:extLst>
           </p:cNvPr>
@@ -5692,7 +7009,7 @@
           </p:cNvPicPr>
           <p:nvPr/>
         </p:nvPicPr>
-        <p:blipFill>
+        <p:blipFill rotWithShape="1">
           <a:blip r:embed="rId2">
             <a:extLst>
               <a:ext uri="{28A0092B-C50C-407E-A947-70E740481C1C}">
@@ -5700,50 +7017,13 @@
               </a:ext>
             </a:extLst>
           </a:blip>
-          <a:stretch>
-            <a:fillRect/>
-          </a:stretch>
+          <a:srcRect l="1" t="8181" r="-1364"/>
+          <a:stretch/>
         </p:blipFill>
         <p:spPr>
-          <a:xfrm>
-            <a:off x="0" y="358656"/>
-            <a:ext cx="5966460" cy="5029202"/>
-          </a:xfrm>
-          <a:prstGeom prst="rect">
-            <a:avLst/>
-          </a:prstGeom>
-        </p:spPr>
-      </p:pic>
-      <p:pic>
-        <p:nvPicPr>
-          <p:cNvPr id="5" name="Picture 4">
-            <a:extLst>
-              <a:ext uri="{FF2B5EF4-FFF2-40B4-BE49-F238E27FC236}">
-                <a16:creationId xmlns:a16="http://schemas.microsoft.com/office/drawing/2014/main" id="{CAC36073-5ED9-004C-4B85-9F8F0EBC618F}"/>
-              </a:ext>
-            </a:extLst>
-          </p:cNvPr>
-          <p:cNvPicPr>
-            <a:picLocks noChangeAspect="1"/>
-          </p:cNvPicPr>
-          <p:nvPr/>
-        </p:nvPicPr>
-        <p:blipFill>
-          <a:blip r:embed="rId3">
-            <a:extLst>
-              <a:ext uri="{28A0092B-C50C-407E-A947-70E740481C1C}">
-                <a14:useLocalDpi xmlns:a14="http://schemas.microsoft.com/office/drawing/2010/main" val="0"/>
-              </a:ext>
-            </a:extLst>
-          </a:blip>
-          <a:stretch>
-            <a:fillRect/>
-          </a:stretch>
-        </p:blipFill>
-        <p:spPr>
-          <a:xfrm>
-            <a:off x="5966460" y="358656"/>
-            <a:ext cx="5966460" cy="5030119"/>
+          <a:xfrm rot="16200000">
+            <a:off x="2999873" y="-3064043"/>
+            <a:ext cx="6192253" cy="12192000"/>
           </a:xfrm>
           <a:prstGeom prst="rect">
             <a:avLst/>
@@ -5753,7 +7033,7 @@
     </p:spTree>
     <p:extLst>
       <p:ext uri="{BB962C8B-B14F-4D97-AF65-F5344CB8AC3E}">
-        <p14:creationId xmlns:p14="http://schemas.microsoft.com/office/powerpoint/2010/main" val="3180151097"/>
+        <p14:creationId xmlns:p14="http://schemas.microsoft.com/office/powerpoint/2010/main" val="3933256951"/>
       </p:ext>
     </p:extLst>
   </p:cSld>
